--- a/hw01.pptx
+++ b/hw01.pptx
@@ -4,8 +4,18 @@
   <p:sldMasterIdLst>
     <p:sldMasterId id="2147483648" r:id="rId1"/>
   </p:sldMasterIdLst>
+  <p:notesMasterIdLst>
+    <p:notesMasterId r:id="rId10"/>
+  </p:notesMasterIdLst>
   <p:sldIdLst>
     <p:sldId id="256" r:id="rId2"/>
+    <p:sldId id="257" r:id="rId3"/>
+    <p:sldId id="258" r:id="rId4"/>
+    <p:sldId id="259" r:id="rId5"/>
+    <p:sldId id="260" r:id="rId6"/>
+    <p:sldId id="261" r:id="rId7"/>
+    <p:sldId id="262" r:id="rId8"/>
+    <p:sldId id="263" r:id="rId9"/>
   </p:sldIdLst>
   <p:sldSz cx="12192000" cy="6858000"/>
   <p:notesSz cx="6858000" cy="9144000"/>
@@ -104,7 +114,1071 @@
       </a:defRPr>
     </a:lvl9pPr>
   </p:defaultTextStyle>
+  <p:extLst>
+    <p:ext uri="{EFAFB233-063F-42B5-8137-9DF3F51BA10A}">
+      <p15:sldGuideLst xmlns:p15="http://schemas.microsoft.com/office/powerpoint/2012/main"/>
+    </p:ext>
+  </p:extLst>
 </p:presentation>
+</file>
+
+<file path=ppt/notesMasters/notesMaster1.xml><?xml version="1.0" encoding="utf-8"?>
+<p:notesMaster xmlns:a="http://schemas.openxmlformats.org/drawingml/2006/main" xmlns:r="http://schemas.openxmlformats.org/officeDocument/2006/relationships" xmlns:p="http://schemas.openxmlformats.org/presentationml/2006/main">
+  <p:cSld>
+    <p:bg>
+      <p:bgRef idx="1001">
+        <a:schemeClr val="bg1"/>
+      </p:bgRef>
+    </p:bg>
+    <p:spTree>
+      <p:nvGrpSpPr>
+        <p:cNvPr id="1" name=""/>
+        <p:cNvGrpSpPr/>
+        <p:nvPr/>
+      </p:nvGrpSpPr>
+      <p:grpSpPr>
+        <a:xfrm>
+          <a:off x="0" y="0"/>
+          <a:ext cx="0" cy="0"/>
+          <a:chOff x="0" y="0"/>
+          <a:chExt cx="0" cy="0"/>
+        </a:xfrm>
+      </p:grpSpPr>
+      <p:sp>
+        <p:nvSpPr>
+          <p:cNvPr id="2" name="頁首版面配置區 1"/>
+          <p:cNvSpPr>
+            <a:spLocks noGrp="1"/>
+          </p:cNvSpPr>
+          <p:nvPr>
+            <p:ph type="hdr" sz="quarter"/>
+          </p:nvPr>
+        </p:nvSpPr>
+        <p:spPr>
+          <a:xfrm>
+            <a:off x="0" y="0"/>
+            <a:ext cx="2971800" cy="458788"/>
+          </a:xfrm>
+          <a:prstGeom prst="rect">
+            <a:avLst/>
+          </a:prstGeom>
+        </p:spPr>
+        <p:txBody>
+          <a:bodyPr vert="horz" lIns="91440" tIns="45720" rIns="91440" bIns="45720" rtlCol="0"/>
+          <a:lstStyle>
+            <a:lvl1pPr algn="l">
+              <a:defRPr sz="1200"/>
+            </a:lvl1pPr>
+          </a:lstStyle>
+          <a:p>
+            <a:endParaRPr lang="zh-TW" altLang="en-US"/>
+          </a:p>
+        </p:txBody>
+      </p:sp>
+      <p:sp>
+        <p:nvSpPr>
+          <p:cNvPr id="3" name="日期版面配置區 2"/>
+          <p:cNvSpPr>
+            <a:spLocks noGrp="1"/>
+          </p:cNvSpPr>
+          <p:nvPr>
+            <p:ph type="dt" idx="1"/>
+          </p:nvPr>
+        </p:nvSpPr>
+        <p:spPr>
+          <a:xfrm>
+            <a:off x="3884613" y="0"/>
+            <a:ext cx="2971800" cy="458788"/>
+          </a:xfrm>
+          <a:prstGeom prst="rect">
+            <a:avLst/>
+          </a:prstGeom>
+        </p:spPr>
+        <p:txBody>
+          <a:bodyPr vert="horz" lIns="91440" tIns="45720" rIns="91440" bIns="45720" rtlCol="0"/>
+          <a:lstStyle>
+            <a:lvl1pPr algn="r">
+              <a:defRPr sz="1200"/>
+            </a:lvl1pPr>
+          </a:lstStyle>
+          <a:p>
+            <a:fld id="{F730D4D5-6195-4427-821E-63DD0DBE37D9}" type="datetimeFigureOut">
+              <a:rPr lang="zh-TW" altLang="en-US" smtClean="0"/>
+              <a:t>2024/10/23</a:t>
+            </a:fld>
+            <a:endParaRPr lang="zh-TW" altLang="en-US"/>
+          </a:p>
+        </p:txBody>
+      </p:sp>
+      <p:sp>
+        <p:nvSpPr>
+          <p:cNvPr id="4" name="投影片影像版面配置區 3"/>
+          <p:cNvSpPr>
+            <a:spLocks noGrp="1" noRot="1" noChangeAspect="1"/>
+          </p:cNvSpPr>
+          <p:nvPr>
+            <p:ph type="sldImg" idx="2"/>
+          </p:nvPr>
+        </p:nvSpPr>
+        <p:spPr>
+          <a:xfrm>
+            <a:off x="685800" y="1143000"/>
+            <a:ext cx="5486400" cy="3086100"/>
+          </a:xfrm>
+          <a:prstGeom prst="rect">
+            <a:avLst/>
+          </a:prstGeom>
+          <a:noFill/>
+          <a:ln w="12700">
+            <a:solidFill>
+              <a:prstClr val="black"/>
+            </a:solidFill>
+          </a:ln>
+        </p:spPr>
+        <p:txBody>
+          <a:bodyPr vert="horz" lIns="91440" tIns="45720" rIns="91440" bIns="45720" rtlCol="0" anchor="ctr"/>
+          <a:lstStyle/>
+          <a:p>
+            <a:endParaRPr lang="zh-TW" altLang="en-US"/>
+          </a:p>
+        </p:txBody>
+      </p:sp>
+      <p:sp>
+        <p:nvSpPr>
+          <p:cNvPr id="5" name="備忘稿版面配置區 4"/>
+          <p:cNvSpPr>
+            <a:spLocks noGrp="1"/>
+          </p:cNvSpPr>
+          <p:nvPr>
+            <p:ph type="body" sz="quarter" idx="3"/>
+          </p:nvPr>
+        </p:nvSpPr>
+        <p:spPr>
+          <a:xfrm>
+            <a:off x="685800" y="4400550"/>
+            <a:ext cx="5486400" cy="3600450"/>
+          </a:xfrm>
+          <a:prstGeom prst="rect">
+            <a:avLst/>
+          </a:prstGeom>
+        </p:spPr>
+        <p:txBody>
+          <a:bodyPr vert="horz" lIns="91440" tIns="45720" rIns="91440" bIns="45720" rtlCol="0"/>
+          <a:lstStyle/>
+          <a:p>
+            <a:pPr lvl="0"/>
+            <a:r>
+              <a:rPr lang="zh-TW" altLang="en-US"/>
+              <a:t>按一下以編輯母片文字樣式</a:t>
+            </a:r>
+          </a:p>
+          <a:p>
+            <a:pPr lvl="1"/>
+            <a:r>
+              <a:rPr lang="zh-TW" altLang="en-US"/>
+              <a:t>第二層</a:t>
+            </a:r>
+          </a:p>
+          <a:p>
+            <a:pPr lvl="2"/>
+            <a:r>
+              <a:rPr lang="zh-TW" altLang="en-US"/>
+              <a:t>第三層</a:t>
+            </a:r>
+          </a:p>
+          <a:p>
+            <a:pPr lvl="3"/>
+            <a:r>
+              <a:rPr lang="zh-TW" altLang="en-US"/>
+              <a:t>第四層</a:t>
+            </a:r>
+          </a:p>
+          <a:p>
+            <a:pPr lvl="4"/>
+            <a:r>
+              <a:rPr lang="zh-TW" altLang="en-US"/>
+              <a:t>第五層</a:t>
+            </a:r>
+          </a:p>
+        </p:txBody>
+      </p:sp>
+      <p:sp>
+        <p:nvSpPr>
+          <p:cNvPr id="6" name="頁尾版面配置區 5"/>
+          <p:cNvSpPr>
+            <a:spLocks noGrp="1"/>
+          </p:cNvSpPr>
+          <p:nvPr>
+            <p:ph type="ftr" sz="quarter" idx="4"/>
+          </p:nvPr>
+        </p:nvSpPr>
+        <p:spPr>
+          <a:xfrm>
+            <a:off x="0" y="8685213"/>
+            <a:ext cx="2971800" cy="458787"/>
+          </a:xfrm>
+          <a:prstGeom prst="rect">
+            <a:avLst/>
+          </a:prstGeom>
+        </p:spPr>
+        <p:txBody>
+          <a:bodyPr vert="horz" lIns="91440" tIns="45720" rIns="91440" bIns="45720" rtlCol="0" anchor="b"/>
+          <a:lstStyle>
+            <a:lvl1pPr algn="l">
+              <a:defRPr sz="1200"/>
+            </a:lvl1pPr>
+          </a:lstStyle>
+          <a:p>
+            <a:endParaRPr lang="zh-TW" altLang="en-US"/>
+          </a:p>
+        </p:txBody>
+      </p:sp>
+      <p:sp>
+        <p:nvSpPr>
+          <p:cNvPr id="7" name="投影片編號版面配置區 6"/>
+          <p:cNvSpPr>
+            <a:spLocks noGrp="1"/>
+          </p:cNvSpPr>
+          <p:nvPr>
+            <p:ph type="sldNum" sz="quarter" idx="5"/>
+          </p:nvPr>
+        </p:nvSpPr>
+        <p:spPr>
+          <a:xfrm>
+            <a:off x="3884613" y="8685213"/>
+            <a:ext cx="2971800" cy="458787"/>
+          </a:xfrm>
+          <a:prstGeom prst="rect">
+            <a:avLst/>
+          </a:prstGeom>
+        </p:spPr>
+        <p:txBody>
+          <a:bodyPr vert="horz" lIns="91440" tIns="45720" rIns="91440" bIns="45720" rtlCol="0" anchor="b"/>
+          <a:lstStyle>
+            <a:lvl1pPr algn="r">
+              <a:defRPr sz="1200"/>
+            </a:lvl1pPr>
+          </a:lstStyle>
+          <a:p>
+            <a:fld id="{968F5F9E-9935-4BA4-9E16-E17D6FA68016}" type="slidenum">
+              <a:rPr lang="zh-TW" altLang="en-US" smtClean="0"/>
+              <a:t>‹#›</a:t>
+            </a:fld>
+            <a:endParaRPr lang="zh-TW" altLang="en-US"/>
+          </a:p>
+        </p:txBody>
+      </p:sp>
+    </p:spTree>
+    <p:extLst>
+      <p:ext uri="{BB962C8B-B14F-4D97-AF65-F5344CB8AC3E}">
+        <p14:creationId xmlns:p14="http://schemas.microsoft.com/office/powerpoint/2010/main" val="348579903"/>
+      </p:ext>
+    </p:extLst>
+  </p:cSld>
+  <p:clrMap bg1="lt1" tx1="dk1" bg2="lt2" tx2="dk2" accent1="accent1" accent2="accent2" accent3="accent3" accent4="accent4" accent5="accent5" accent6="accent6" hlink="hlink" folHlink="folHlink"/>
+  <p:notesStyle>
+    <a:lvl1pPr marL="0" algn="l" defTabSz="914400" rtl="0" eaLnBrk="1" latinLnBrk="0" hangingPunct="1">
+      <a:defRPr sz="1200" kern="1200">
+        <a:solidFill>
+          <a:schemeClr val="tx1"/>
+        </a:solidFill>
+        <a:latin typeface="+mn-lt"/>
+        <a:ea typeface="+mn-ea"/>
+        <a:cs typeface="+mn-cs"/>
+      </a:defRPr>
+    </a:lvl1pPr>
+    <a:lvl2pPr marL="457200" algn="l" defTabSz="914400" rtl="0" eaLnBrk="1" latinLnBrk="0" hangingPunct="1">
+      <a:defRPr sz="1200" kern="1200">
+        <a:solidFill>
+          <a:schemeClr val="tx1"/>
+        </a:solidFill>
+        <a:latin typeface="+mn-lt"/>
+        <a:ea typeface="+mn-ea"/>
+        <a:cs typeface="+mn-cs"/>
+      </a:defRPr>
+    </a:lvl2pPr>
+    <a:lvl3pPr marL="914400" algn="l" defTabSz="914400" rtl="0" eaLnBrk="1" latinLnBrk="0" hangingPunct="1">
+      <a:defRPr sz="1200" kern="1200">
+        <a:solidFill>
+          <a:schemeClr val="tx1"/>
+        </a:solidFill>
+        <a:latin typeface="+mn-lt"/>
+        <a:ea typeface="+mn-ea"/>
+        <a:cs typeface="+mn-cs"/>
+      </a:defRPr>
+    </a:lvl3pPr>
+    <a:lvl4pPr marL="1371600" algn="l" defTabSz="914400" rtl="0" eaLnBrk="1" latinLnBrk="0" hangingPunct="1">
+      <a:defRPr sz="1200" kern="1200">
+        <a:solidFill>
+          <a:schemeClr val="tx1"/>
+        </a:solidFill>
+        <a:latin typeface="+mn-lt"/>
+        <a:ea typeface="+mn-ea"/>
+        <a:cs typeface="+mn-cs"/>
+      </a:defRPr>
+    </a:lvl4pPr>
+    <a:lvl5pPr marL="1828800" algn="l" defTabSz="914400" rtl="0" eaLnBrk="1" latinLnBrk="0" hangingPunct="1">
+      <a:defRPr sz="1200" kern="1200">
+        <a:solidFill>
+          <a:schemeClr val="tx1"/>
+        </a:solidFill>
+        <a:latin typeface="+mn-lt"/>
+        <a:ea typeface="+mn-ea"/>
+        <a:cs typeface="+mn-cs"/>
+      </a:defRPr>
+    </a:lvl5pPr>
+    <a:lvl6pPr marL="2286000" algn="l" defTabSz="914400" rtl="0" eaLnBrk="1" latinLnBrk="0" hangingPunct="1">
+      <a:defRPr sz="1200" kern="1200">
+        <a:solidFill>
+          <a:schemeClr val="tx1"/>
+        </a:solidFill>
+        <a:latin typeface="+mn-lt"/>
+        <a:ea typeface="+mn-ea"/>
+        <a:cs typeface="+mn-cs"/>
+      </a:defRPr>
+    </a:lvl6pPr>
+    <a:lvl7pPr marL="2743200" algn="l" defTabSz="914400" rtl="0" eaLnBrk="1" latinLnBrk="0" hangingPunct="1">
+      <a:defRPr sz="1200" kern="1200">
+        <a:solidFill>
+          <a:schemeClr val="tx1"/>
+        </a:solidFill>
+        <a:latin typeface="+mn-lt"/>
+        <a:ea typeface="+mn-ea"/>
+        <a:cs typeface="+mn-cs"/>
+      </a:defRPr>
+    </a:lvl7pPr>
+    <a:lvl8pPr marL="3200400" algn="l" defTabSz="914400" rtl="0" eaLnBrk="1" latinLnBrk="0" hangingPunct="1">
+      <a:defRPr sz="1200" kern="1200">
+        <a:solidFill>
+          <a:schemeClr val="tx1"/>
+        </a:solidFill>
+        <a:latin typeface="+mn-lt"/>
+        <a:ea typeface="+mn-ea"/>
+        <a:cs typeface="+mn-cs"/>
+      </a:defRPr>
+    </a:lvl8pPr>
+    <a:lvl9pPr marL="3657600" algn="l" defTabSz="914400" rtl="0" eaLnBrk="1" latinLnBrk="0" hangingPunct="1">
+      <a:defRPr sz="1200" kern="1200">
+        <a:solidFill>
+          <a:schemeClr val="tx1"/>
+        </a:solidFill>
+        <a:latin typeface="+mn-lt"/>
+        <a:ea typeface="+mn-ea"/>
+        <a:cs typeface="+mn-cs"/>
+      </a:defRPr>
+    </a:lvl9pPr>
+  </p:notesStyle>
+</p:notesMaster>
+</file>
+
+<file path=ppt/notesSlides/notesSlide1.xml><?xml version="1.0" encoding="utf-8"?>
+<p:notes xmlns:a="http://schemas.openxmlformats.org/drawingml/2006/main" xmlns:r="http://schemas.openxmlformats.org/officeDocument/2006/relationships" xmlns:p="http://schemas.openxmlformats.org/presentationml/2006/main">
+  <p:cSld>
+    <p:spTree>
+      <p:nvGrpSpPr>
+        <p:cNvPr id="1" name=""/>
+        <p:cNvGrpSpPr/>
+        <p:nvPr/>
+      </p:nvGrpSpPr>
+      <p:grpSpPr>
+        <a:xfrm>
+          <a:off x="0" y="0"/>
+          <a:ext cx="0" cy="0"/>
+          <a:chOff x="0" y="0"/>
+          <a:chExt cx="0" cy="0"/>
+        </a:xfrm>
+      </p:grpSpPr>
+      <p:sp>
+        <p:nvSpPr>
+          <p:cNvPr id="2" name="投影片影像版面配置區 1"/>
+          <p:cNvSpPr>
+            <a:spLocks noGrp="1" noRot="1" noChangeAspect="1"/>
+          </p:cNvSpPr>
+          <p:nvPr>
+            <p:ph type="sldImg"/>
+          </p:nvPr>
+        </p:nvSpPr>
+        <p:spPr/>
+      </p:sp>
+      <p:sp>
+        <p:nvSpPr>
+          <p:cNvPr id="3" name="備忘稿版面配置區 2"/>
+          <p:cNvSpPr>
+            <a:spLocks noGrp="1"/>
+          </p:cNvSpPr>
+          <p:nvPr>
+            <p:ph type="body" idx="1"/>
+          </p:nvPr>
+        </p:nvSpPr>
+        <p:spPr/>
+        <p:txBody>
+          <a:bodyPr/>
+          <a:lstStyle/>
+          <a:p>
+            <a:r>
+              <a:rPr lang="zh-TW" altLang="en-US" dirty="0"/>
+              <a:t>我收到一封信。是小阿尼斯城（</a:t>
+            </a:r>
+            <a:r>
+              <a:rPr lang="en-US" altLang="zh-TW" dirty="0"/>
+              <a:t>Tiny Anis</a:t>
+            </a:r>
+            <a:r>
+              <a:rPr lang="zh-TW" altLang="en-US" dirty="0"/>
+              <a:t>）的藝術節邀請，說明會在後天。</a:t>
+            </a:r>
+            <a:endParaRPr lang="en-US" altLang="zh-TW" dirty="0"/>
+          </a:p>
+          <a:p>
+            <a:endParaRPr lang="en-US" altLang="zh-TW" dirty="0"/>
+          </a:p>
+          <a:p>
+            <a:r>
+              <a:rPr lang="en-US" altLang="zh-TW" dirty="0"/>
+              <a:t>please draw a picture: A dark blue-eyed girl with low </a:t>
+            </a:r>
+            <a:r>
+              <a:rPr lang="en-US" altLang="zh-TW" dirty="0" err="1"/>
+              <a:t>twintails</a:t>
+            </a:r>
+            <a:r>
+              <a:rPr lang="en-US" altLang="zh-TW" dirty="0"/>
+              <a:t> brown hair, wearing a black top hat, and wearing a dark blue high collar long sleeve shirt and black pants. Sitting in the couch in the living room, holding a envelope with her hand. The scene is in a Japanese anime style.</a:t>
+            </a:r>
+            <a:endParaRPr lang="zh-TW" altLang="en-US" dirty="0"/>
+          </a:p>
+        </p:txBody>
+      </p:sp>
+      <p:sp>
+        <p:nvSpPr>
+          <p:cNvPr id="4" name="投影片編號版面配置區 3"/>
+          <p:cNvSpPr>
+            <a:spLocks noGrp="1"/>
+          </p:cNvSpPr>
+          <p:nvPr>
+            <p:ph type="sldNum" sz="quarter" idx="5"/>
+          </p:nvPr>
+        </p:nvSpPr>
+        <p:spPr/>
+        <p:txBody>
+          <a:bodyPr/>
+          <a:lstStyle/>
+          <a:p>
+            <a:fld id="{968F5F9E-9935-4BA4-9E16-E17D6FA68016}" type="slidenum">
+              <a:rPr lang="zh-TW" altLang="en-US" smtClean="0"/>
+              <a:t>1</a:t>
+            </a:fld>
+            <a:endParaRPr lang="zh-TW" altLang="en-US"/>
+          </a:p>
+        </p:txBody>
+      </p:sp>
+    </p:spTree>
+    <p:extLst>
+      <p:ext uri="{BB962C8B-B14F-4D97-AF65-F5344CB8AC3E}">
+        <p14:creationId xmlns:p14="http://schemas.microsoft.com/office/powerpoint/2010/main" val="2179785137"/>
+      </p:ext>
+    </p:extLst>
+  </p:cSld>
+  <p:clrMapOvr>
+    <a:masterClrMapping/>
+  </p:clrMapOvr>
+</p:notes>
+</file>
+
+<file path=ppt/notesSlides/notesSlide2.xml><?xml version="1.0" encoding="utf-8"?>
+<p:notes xmlns:a="http://schemas.openxmlformats.org/drawingml/2006/main" xmlns:r="http://schemas.openxmlformats.org/officeDocument/2006/relationships" xmlns:p="http://schemas.openxmlformats.org/presentationml/2006/main">
+  <p:cSld>
+    <p:spTree>
+      <p:nvGrpSpPr>
+        <p:cNvPr id="1" name=""/>
+        <p:cNvGrpSpPr/>
+        <p:nvPr/>
+      </p:nvGrpSpPr>
+      <p:grpSpPr>
+        <a:xfrm>
+          <a:off x="0" y="0"/>
+          <a:ext cx="0" cy="0"/>
+          <a:chOff x="0" y="0"/>
+          <a:chExt cx="0" cy="0"/>
+        </a:xfrm>
+      </p:grpSpPr>
+      <p:sp>
+        <p:nvSpPr>
+          <p:cNvPr id="2" name="投影片影像版面配置區 1"/>
+          <p:cNvSpPr>
+            <a:spLocks noGrp="1" noRot="1" noChangeAspect="1"/>
+          </p:cNvSpPr>
+          <p:nvPr>
+            <p:ph type="sldImg"/>
+          </p:nvPr>
+        </p:nvSpPr>
+        <p:spPr/>
+      </p:sp>
+      <p:sp>
+        <p:nvSpPr>
+          <p:cNvPr id="3" name="備忘稿版面配置區 2"/>
+          <p:cNvSpPr>
+            <a:spLocks noGrp="1"/>
+          </p:cNvSpPr>
+          <p:nvPr>
+            <p:ph type="body" idx="1"/>
+          </p:nvPr>
+        </p:nvSpPr>
+        <p:spPr/>
+        <p:txBody>
+          <a:bodyPr/>
+          <a:lstStyle/>
+          <a:p>
+            <a:r>
+              <a:rPr lang="zh-TW" altLang="en-US" dirty="0"/>
+              <a:t>我從沒聽過小阿尼斯城。而且這傳單的美術設計很怪異，我有種不好的感覺。</a:t>
+            </a:r>
+            <a:endParaRPr lang="en-US" altLang="zh-TW" dirty="0"/>
+          </a:p>
+          <a:p>
+            <a:endParaRPr lang="en-US" altLang="zh-TW" dirty="0"/>
+          </a:p>
+          <a:p>
+            <a:r>
+              <a:rPr lang="en-US" altLang="zh-TW" dirty="0"/>
+              <a:t>Please draw this picture: A dark blue-eyed girl with low-pigtails brown hair, wearing a black top hat, and wearing a dark blue high collar long sleeve thick shirt and black pants, frowning. Sitting in the couch in the living room, holding a paper with many blending colors in her hand. The scene is in a Japanese anime style.</a:t>
+            </a:r>
+            <a:endParaRPr lang="zh-TW" altLang="en-US" dirty="0"/>
+          </a:p>
+        </p:txBody>
+      </p:sp>
+      <p:sp>
+        <p:nvSpPr>
+          <p:cNvPr id="4" name="投影片編號版面配置區 3"/>
+          <p:cNvSpPr>
+            <a:spLocks noGrp="1"/>
+          </p:cNvSpPr>
+          <p:nvPr>
+            <p:ph type="sldNum" sz="quarter" idx="5"/>
+          </p:nvPr>
+        </p:nvSpPr>
+        <p:spPr/>
+        <p:txBody>
+          <a:bodyPr/>
+          <a:lstStyle/>
+          <a:p>
+            <a:fld id="{968F5F9E-9935-4BA4-9E16-E17D6FA68016}" type="slidenum">
+              <a:rPr lang="zh-TW" altLang="en-US" smtClean="0"/>
+              <a:t>2</a:t>
+            </a:fld>
+            <a:endParaRPr lang="zh-TW" altLang="en-US"/>
+          </a:p>
+        </p:txBody>
+      </p:sp>
+    </p:spTree>
+    <p:extLst>
+      <p:ext uri="{BB962C8B-B14F-4D97-AF65-F5344CB8AC3E}">
+        <p14:creationId xmlns:p14="http://schemas.microsoft.com/office/powerpoint/2010/main" val="3938817652"/>
+      </p:ext>
+    </p:extLst>
+  </p:cSld>
+  <p:clrMapOvr>
+    <a:masterClrMapping/>
+  </p:clrMapOvr>
+</p:notes>
+</file>
+
+<file path=ppt/notesSlides/notesSlide3.xml><?xml version="1.0" encoding="utf-8"?>
+<p:notes xmlns:a="http://schemas.openxmlformats.org/drawingml/2006/main" xmlns:r="http://schemas.openxmlformats.org/officeDocument/2006/relationships" xmlns:p="http://schemas.openxmlformats.org/presentationml/2006/main">
+  <p:cSld>
+    <p:spTree>
+      <p:nvGrpSpPr>
+        <p:cNvPr id="1" name=""/>
+        <p:cNvGrpSpPr/>
+        <p:nvPr/>
+      </p:nvGrpSpPr>
+      <p:grpSpPr>
+        <a:xfrm>
+          <a:off x="0" y="0"/>
+          <a:ext cx="0" cy="0"/>
+          <a:chOff x="0" y="0"/>
+          <a:chExt cx="0" cy="0"/>
+        </a:xfrm>
+      </p:grpSpPr>
+      <p:sp>
+        <p:nvSpPr>
+          <p:cNvPr id="2" name="投影片影像版面配置區 1"/>
+          <p:cNvSpPr>
+            <a:spLocks noGrp="1" noRot="1" noChangeAspect="1"/>
+          </p:cNvSpPr>
+          <p:nvPr>
+            <p:ph type="sldImg"/>
+          </p:nvPr>
+        </p:nvSpPr>
+        <p:spPr/>
+      </p:sp>
+      <p:sp>
+        <p:nvSpPr>
+          <p:cNvPr id="3" name="備忘稿版面配置區 2"/>
+          <p:cNvSpPr>
+            <a:spLocks noGrp="1"/>
+          </p:cNvSpPr>
+          <p:nvPr>
+            <p:ph type="body" idx="1"/>
+          </p:nvPr>
+        </p:nvSpPr>
+        <p:spPr/>
+        <p:txBody>
+          <a:bodyPr/>
+          <a:lstStyle/>
+          <a:p>
+            <a:r>
+              <a:rPr lang="zh-TW" altLang="en-US" dirty="0"/>
+              <a:t>但我最近才剛結束一場大型表演，想創造些新舞步，也許這座城市能給我靈感。所以，我決定去聽說明會，順便看看小阿尼斯城。</a:t>
+            </a:r>
+            <a:endParaRPr lang="en-US" altLang="zh-TW" dirty="0"/>
+          </a:p>
+          <a:p>
+            <a:endParaRPr lang="en-US" altLang="zh-TW" dirty="0"/>
+          </a:p>
+          <a:p>
+            <a:r>
+              <a:rPr lang="en-US" altLang="zh-TW" dirty="0"/>
+              <a:t>Please draw this picture: A dark blue-eyed 16 year-old girl with low-pigtails brown hair, wearing a black top hat, and wearing a dark blue high collar long sleeve thick shirt and black pants. Standing in the train station at night carrying a big backpack. The scene is in a Japanese anime style.</a:t>
+            </a:r>
+            <a:endParaRPr lang="zh-TW" altLang="en-US" dirty="0"/>
+          </a:p>
+        </p:txBody>
+      </p:sp>
+      <p:sp>
+        <p:nvSpPr>
+          <p:cNvPr id="4" name="投影片編號版面配置區 3"/>
+          <p:cNvSpPr>
+            <a:spLocks noGrp="1"/>
+          </p:cNvSpPr>
+          <p:nvPr>
+            <p:ph type="sldNum" sz="quarter" idx="5"/>
+          </p:nvPr>
+        </p:nvSpPr>
+        <p:spPr/>
+        <p:txBody>
+          <a:bodyPr/>
+          <a:lstStyle/>
+          <a:p>
+            <a:fld id="{968F5F9E-9935-4BA4-9E16-E17D6FA68016}" type="slidenum">
+              <a:rPr lang="zh-TW" altLang="en-US" smtClean="0"/>
+              <a:t>3</a:t>
+            </a:fld>
+            <a:endParaRPr lang="zh-TW" altLang="en-US"/>
+          </a:p>
+        </p:txBody>
+      </p:sp>
+    </p:spTree>
+    <p:extLst>
+      <p:ext uri="{BB962C8B-B14F-4D97-AF65-F5344CB8AC3E}">
+        <p14:creationId xmlns:p14="http://schemas.microsoft.com/office/powerpoint/2010/main" val="2037969089"/>
+      </p:ext>
+    </p:extLst>
+  </p:cSld>
+  <p:clrMapOvr>
+    <a:masterClrMapping/>
+  </p:clrMapOvr>
+</p:notes>
+</file>
+
+<file path=ppt/notesSlides/notesSlide4.xml><?xml version="1.0" encoding="utf-8"?>
+<p:notes xmlns:a="http://schemas.openxmlformats.org/drawingml/2006/main" xmlns:r="http://schemas.openxmlformats.org/officeDocument/2006/relationships" xmlns:p="http://schemas.openxmlformats.org/presentationml/2006/main">
+  <p:cSld>
+    <p:spTree>
+      <p:nvGrpSpPr>
+        <p:cNvPr id="1" name=""/>
+        <p:cNvGrpSpPr/>
+        <p:nvPr/>
+      </p:nvGrpSpPr>
+      <p:grpSpPr>
+        <a:xfrm>
+          <a:off x="0" y="0"/>
+          <a:ext cx="0" cy="0"/>
+          <a:chOff x="0" y="0"/>
+          <a:chExt cx="0" cy="0"/>
+        </a:xfrm>
+      </p:grpSpPr>
+      <p:sp>
+        <p:nvSpPr>
+          <p:cNvPr id="2" name="投影片影像版面配置區 1"/>
+          <p:cNvSpPr>
+            <a:spLocks noGrp="1" noRot="1" noChangeAspect="1"/>
+          </p:cNvSpPr>
+          <p:nvPr>
+            <p:ph type="sldImg"/>
+          </p:nvPr>
+        </p:nvSpPr>
+        <p:spPr/>
+      </p:sp>
+      <p:sp>
+        <p:nvSpPr>
+          <p:cNvPr id="3" name="備忘稿版面配置區 2"/>
+          <p:cNvSpPr>
+            <a:spLocks noGrp="1"/>
+          </p:cNvSpPr>
+          <p:nvPr>
+            <p:ph type="body" idx="1"/>
+          </p:nvPr>
+        </p:nvSpPr>
+        <p:spPr/>
+        <p:txBody>
+          <a:bodyPr/>
+          <a:lstStyle/>
+          <a:p>
+            <a:r>
+              <a:rPr lang="zh-TW" altLang="en-US" dirty="0"/>
+              <a:t>我晚上到。這座城市的風格很高科技，到處都是播著廣告的電視機。</a:t>
+            </a:r>
+            <a:endParaRPr lang="en-US" altLang="zh-TW" dirty="0"/>
+          </a:p>
+          <a:p>
+            <a:endParaRPr lang="en-US" altLang="zh-TW" dirty="0"/>
+          </a:p>
+          <a:p>
+            <a:r>
+              <a:rPr lang="en-US" altLang="zh-TW" dirty="0"/>
+              <a:t>Please draw this picture: A dark blue-eyed 16 year-old girl with low-pigtails brown hair, wearing a black top hat, and wearing a dark blue high collar long sleeve thick shirt and black pants. Standing in the high-tech city at night with many TV playing advertisement. The scene is in a Japanese anime style.</a:t>
+            </a:r>
+            <a:endParaRPr lang="zh-TW" altLang="en-US" dirty="0"/>
+          </a:p>
+        </p:txBody>
+      </p:sp>
+      <p:sp>
+        <p:nvSpPr>
+          <p:cNvPr id="4" name="投影片編號版面配置區 3"/>
+          <p:cNvSpPr>
+            <a:spLocks noGrp="1"/>
+          </p:cNvSpPr>
+          <p:nvPr>
+            <p:ph type="sldNum" sz="quarter" idx="5"/>
+          </p:nvPr>
+        </p:nvSpPr>
+        <p:spPr/>
+        <p:txBody>
+          <a:bodyPr/>
+          <a:lstStyle/>
+          <a:p>
+            <a:fld id="{968F5F9E-9935-4BA4-9E16-E17D6FA68016}" type="slidenum">
+              <a:rPr lang="zh-TW" altLang="en-US" smtClean="0"/>
+              <a:t>4</a:t>
+            </a:fld>
+            <a:endParaRPr lang="zh-TW" altLang="en-US"/>
+          </a:p>
+        </p:txBody>
+      </p:sp>
+    </p:spTree>
+    <p:extLst>
+      <p:ext uri="{BB962C8B-B14F-4D97-AF65-F5344CB8AC3E}">
+        <p14:creationId xmlns:p14="http://schemas.microsoft.com/office/powerpoint/2010/main" val="3092331708"/>
+      </p:ext>
+    </p:extLst>
+  </p:cSld>
+  <p:clrMapOvr>
+    <a:masterClrMapping/>
+  </p:clrMapOvr>
+</p:notes>
+</file>
+
+<file path=ppt/notesSlides/notesSlide5.xml><?xml version="1.0" encoding="utf-8"?>
+<p:notes xmlns:a="http://schemas.openxmlformats.org/drawingml/2006/main" xmlns:r="http://schemas.openxmlformats.org/officeDocument/2006/relationships" xmlns:p="http://schemas.openxmlformats.org/presentationml/2006/main">
+  <p:cSld>
+    <p:spTree>
+      <p:nvGrpSpPr>
+        <p:cNvPr id="1" name=""/>
+        <p:cNvGrpSpPr/>
+        <p:nvPr/>
+      </p:nvGrpSpPr>
+      <p:grpSpPr>
+        <a:xfrm>
+          <a:off x="0" y="0"/>
+          <a:ext cx="0" cy="0"/>
+          <a:chOff x="0" y="0"/>
+          <a:chExt cx="0" cy="0"/>
+        </a:xfrm>
+      </p:grpSpPr>
+      <p:sp>
+        <p:nvSpPr>
+          <p:cNvPr id="2" name="投影片影像版面配置區 1"/>
+          <p:cNvSpPr>
+            <a:spLocks noGrp="1" noRot="1" noChangeAspect="1"/>
+          </p:cNvSpPr>
+          <p:nvPr>
+            <p:ph type="sldImg"/>
+          </p:nvPr>
+        </p:nvSpPr>
+        <p:spPr/>
+      </p:sp>
+      <p:sp>
+        <p:nvSpPr>
+          <p:cNvPr id="3" name="備忘稿版面配置區 2"/>
+          <p:cNvSpPr>
+            <a:spLocks noGrp="1"/>
+          </p:cNvSpPr>
+          <p:nvPr>
+            <p:ph type="body" idx="1"/>
+          </p:nvPr>
+        </p:nvSpPr>
+        <p:spPr/>
+        <p:txBody>
+          <a:bodyPr/>
+          <a:lstStyle/>
+          <a:p>
+            <a:r>
+              <a:rPr lang="zh-TW" altLang="en-US" dirty="0"/>
+              <a:t>我看不懂傳單上的地圖，只知道我要去「資料處理中心」，位在城市中央。我決定問路。</a:t>
+            </a:r>
+            <a:endParaRPr lang="en-US" altLang="zh-TW" dirty="0"/>
+          </a:p>
+          <a:p>
+            <a:endParaRPr lang="en-US" altLang="zh-TW" dirty="0"/>
+          </a:p>
+          <a:p>
+            <a:r>
+              <a:rPr lang="en-US" altLang="zh-TW" dirty="0"/>
+              <a:t>Please draw this picture: A dark blue-eyed 16 year-old girl with low-pigtails brown hair, wearing a black top hat, and wearing a dark blue high collar long sleeve thick shirt and black pants. Standing in the high-tech city at night with many TV playing advertisement. Holding a Map and confusing. The scene is in a Japanese anime style.</a:t>
+            </a:r>
+            <a:endParaRPr lang="zh-TW" altLang="en-US" dirty="0"/>
+          </a:p>
+        </p:txBody>
+      </p:sp>
+      <p:sp>
+        <p:nvSpPr>
+          <p:cNvPr id="4" name="投影片編號版面配置區 3"/>
+          <p:cNvSpPr>
+            <a:spLocks noGrp="1"/>
+          </p:cNvSpPr>
+          <p:nvPr>
+            <p:ph type="sldNum" sz="quarter" idx="5"/>
+          </p:nvPr>
+        </p:nvSpPr>
+        <p:spPr/>
+        <p:txBody>
+          <a:bodyPr/>
+          <a:lstStyle/>
+          <a:p>
+            <a:fld id="{968F5F9E-9935-4BA4-9E16-E17D6FA68016}" type="slidenum">
+              <a:rPr lang="zh-TW" altLang="en-US" smtClean="0"/>
+              <a:t>5</a:t>
+            </a:fld>
+            <a:endParaRPr lang="zh-TW" altLang="en-US"/>
+          </a:p>
+        </p:txBody>
+      </p:sp>
+    </p:spTree>
+    <p:extLst>
+      <p:ext uri="{BB962C8B-B14F-4D97-AF65-F5344CB8AC3E}">
+        <p14:creationId xmlns:p14="http://schemas.microsoft.com/office/powerpoint/2010/main" val="3624717398"/>
+      </p:ext>
+    </p:extLst>
+  </p:cSld>
+  <p:clrMapOvr>
+    <a:masterClrMapping/>
+  </p:clrMapOvr>
+</p:notes>
+</file>
+
+<file path=ppt/notesSlides/notesSlide6.xml><?xml version="1.0" encoding="utf-8"?>
+<p:notes xmlns:a="http://schemas.openxmlformats.org/drawingml/2006/main" xmlns:r="http://schemas.openxmlformats.org/officeDocument/2006/relationships" xmlns:p="http://schemas.openxmlformats.org/presentationml/2006/main">
+  <p:cSld>
+    <p:spTree>
+      <p:nvGrpSpPr>
+        <p:cNvPr id="1" name=""/>
+        <p:cNvGrpSpPr/>
+        <p:nvPr/>
+      </p:nvGrpSpPr>
+      <p:grpSpPr>
+        <a:xfrm>
+          <a:off x="0" y="0"/>
+          <a:ext cx="0" cy="0"/>
+          <a:chOff x="0" y="0"/>
+          <a:chExt cx="0" cy="0"/>
+        </a:xfrm>
+      </p:grpSpPr>
+      <p:sp>
+        <p:nvSpPr>
+          <p:cNvPr id="2" name="投影片影像版面配置區 1"/>
+          <p:cNvSpPr>
+            <a:spLocks noGrp="1" noRot="1" noChangeAspect="1"/>
+          </p:cNvSpPr>
+          <p:nvPr>
+            <p:ph type="sldImg"/>
+          </p:nvPr>
+        </p:nvSpPr>
+        <p:spPr/>
+      </p:sp>
+      <p:sp>
+        <p:nvSpPr>
+          <p:cNvPr id="3" name="備忘稿版面配置區 2"/>
+          <p:cNvSpPr>
+            <a:spLocks noGrp="1"/>
+          </p:cNvSpPr>
+          <p:nvPr>
+            <p:ph type="body" idx="1"/>
+          </p:nvPr>
+        </p:nvSpPr>
+        <p:spPr/>
+        <p:txBody>
+          <a:bodyPr/>
+          <a:lstStyle/>
+          <a:p>
+            <a:r>
+              <a:rPr lang="zh-TW" altLang="en-US" dirty="0"/>
+              <a:t>街上的人全忙著製造某種塑膠珠，沒注意到我，我走向一旁看電視的群眾。他們把塑膠珠投進電視上方的漏斗，這時影像會轉成雜亂的線條，這些人緊盯著線條看。「不好意思，」我說，「我想去資料處理中心，請問─」「我很忙」，有人說，還有人揮手想趕走我。</a:t>
+            </a:r>
+            <a:endParaRPr lang="en-US" altLang="zh-TW" dirty="0"/>
+          </a:p>
+          <a:p>
+            <a:endParaRPr lang="en-US" altLang="zh-TW" dirty="0"/>
+          </a:p>
+          <a:p>
+            <a:r>
+              <a:rPr lang="en-US" altLang="zh-TW" dirty="0"/>
+              <a:t>Please draw this picture: A dark blue-eyed 16 year-old girl with low-pigtails brown hair, wearing a black top hat, and wearing a dark blue high collar long sleeve thick shirt and black pants, frowning and sad. Standing in the high-tech city at night with many TV playing black lines. In front of her are people looking at the TV. The scene is in a Japanese anime style.</a:t>
+            </a:r>
+            <a:endParaRPr lang="zh-TW" altLang="en-US" dirty="0"/>
+          </a:p>
+        </p:txBody>
+      </p:sp>
+      <p:sp>
+        <p:nvSpPr>
+          <p:cNvPr id="4" name="投影片編號版面配置區 3"/>
+          <p:cNvSpPr>
+            <a:spLocks noGrp="1"/>
+          </p:cNvSpPr>
+          <p:nvPr>
+            <p:ph type="sldNum" sz="quarter" idx="5"/>
+          </p:nvPr>
+        </p:nvSpPr>
+        <p:spPr/>
+        <p:txBody>
+          <a:bodyPr/>
+          <a:lstStyle/>
+          <a:p>
+            <a:fld id="{968F5F9E-9935-4BA4-9E16-E17D6FA68016}" type="slidenum">
+              <a:rPr lang="zh-TW" altLang="en-US" smtClean="0"/>
+              <a:t>6</a:t>
+            </a:fld>
+            <a:endParaRPr lang="zh-TW" altLang="en-US"/>
+          </a:p>
+        </p:txBody>
+      </p:sp>
+    </p:spTree>
+    <p:extLst>
+      <p:ext uri="{BB962C8B-B14F-4D97-AF65-F5344CB8AC3E}">
+        <p14:creationId xmlns:p14="http://schemas.microsoft.com/office/powerpoint/2010/main" val="2964809910"/>
+      </p:ext>
+    </p:extLst>
+  </p:cSld>
+  <p:clrMapOvr>
+    <a:masterClrMapping/>
+  </p:clrMapOvr>
+</p:notes>
+</file>
+
+<file path=ppt/notesSlides/notesSlide7.xml><?xml version="1.0" encoding="utf-8"?>
+<p:notes xmlns:a="http://schemas.openxmlformats.org/drawingml/2006/main" xmlns:r="http://schemas.openxmlformats.org/officeDocument/2006/relationships" xmlns:p="http://schemas.openxmlformats.org/presentationml/2006/main">
+  <p:cSld>
+    <p:spTree>
+      <p:nvGrpSpPr>
+        <p:cNvPr id="1" name=""/>
+        <p:cNvGrpSpPr/>
+        <p:nvPr/>
+      </p:nvGrpSpPr>
+      <p:grpSpPr>
+        <a:xfrm>
+          <a:off x="0" y="0"/>
+          <a:ext cx="0" cy="0"/>
+          <a:chOff x="0" y="0"/>
+          <a:chExt cx="0" cy="0"/>
+        </a:xfrm>
+      </p:grpSpPr>
+      <p:sp>
+        <p:nvSpPr>
+          <p:cNvPr id="2" name="投影片影像版面配置區 1"/>
+          <p:cNvSpPr>
+            <a:spLocks noGrp="1" noRot="1" noChangeAspect="1"/>
+          </p:cNvSpPr>
+          <p:nvPr>
+            <p:ph type="sldImg"/>
+          </p:nvPr>
+        </p:nvSpPr>
+        <p:spPr/>
+      </p:sp>
+      <p:sp>
+        <p:nvSpPr>
+          <p:cNvPr id="3" name="備忘稿版面配置區 2"/>
+          <p:cNvSpPr>
+            <a:spLocks noGrp="1"/>
+          </p:cNvSpPr>
+          <p:nvPr>
+            <p:ph type="body" idx="1"/>
+          </p:nvPr>
+        </p:nvSpPr>
+        <p:spPr/>
+        <p:txBody>
+          <a:bodyPr/>
+          <a:lstStyle/>
+          <a:p>
+            <a:r>
+              <a:rPr lang="zh-TW" altLang="en-US" dirty="0"/>
+              <a:t>嗯，也許這是某種大型表演藝術，那些人是演員？我不知道。我只好自己研究這裡的道路。我發現所有的電視管線都延伸到同個方向，也許會通到城市中央。我跟著管線走，果然看到了資料處理中心。</a:t>
+            </a:r>
+            <a:endParaRPr lang="en-US" altLang="zh-TW" dirty="0"/>
+          </a:p>
+          <a:p>
+            <a:endParaRPr lang="en-US" altLang="zh-TW" dirty="0"/>
+          </a:p>
+          <a:p>
+            <a:r>
+              <a:rPr lang="en-US" altLang="zh-TW" dirty="0"/>
+              <a:t>Please draw this picture: A dark blue-eyed 16 year-old girl with low-pigtails brown hair, wearing a black top hat, and wearing a dark blue high collar long sleeve thick shirt and black pants, facing away looking at the middle of the </a:t>
+            </a:r>
+            <a:r>
+              <a:rPr lang="en-US" altLang="zh-TW" dirty="0" err="1"/>
+              <a:t>the</a:t>
+            </a:r>
+            <a:r>
+              <a:rPr lang="en-US" altLang="zh-TW" dirty="0"/>
+              <a:t> high-tech city at night with many TV playing black lines. The scene is in a Japanese anime style.</a:t>
+            </a:r>
+            <a:endParaRPr lang="zh-TW" altLang="en-US" dirty="0"/>
+          </a:p>
+        </p:txBody>
+      </p:sp>
+      <p:sp>
+        <p:nvSpPr>
+          <p:cNvPr id="4" name="投影片編號版面配置區 3"/>
+          <p:cNvSpPr>
+            <a:spLocks noGrp="1"/>
+          </p:cNvSpPr>
+          <p:nvPr>
+            <p:ph type="sldNum" sz="quarter" idx="5"/>
+          </p:nvPr>
+        </p:nvSpPr>
+        <p:spPr/>
+        <p:txBody>
+          <a:bodyPr/>
+          <a:lstStyle/>
+          <a:p>
+            <a:fld id="{968F5F9E-9935-4BA4-9E16-E17D6FA68016}" type="slidenum">
+              <a:rPr lang="zh-TW" altLang="en-US" smtClean="0"/>
+              <a:t>7</a:t>
+            </a:fld>
+            <a:endParaRPr lang="zh-TW" altLang="en-US"/>
+          </a:p>
+        </p:txBody>
+      </p:sp>
+    </p:spTree>
+    <p:extLst>
+      <p:ext uri="{BB962C8B-B14F-4D97-AF65-F5344CB8AC3E}">
+        <p14:creationId xmlns:p14="http://schemas.microsoft.com/office/powerpoint/2010/main" val="3255160557"/>
+      </p:ext>
+    </p:extLst>
+  </p:cSld>
+  <p:clrMapOvr>
+    <a:masterClrMapping/>
+  </p:clrMapOvr>
+</p:notes>
 </file>
 
 <file path=ppt/slideLayouts/slideLayout1.xml><?xml version="1.0" encoding="utf-8"?>
@@ -254,7 +1328,7 @@
           <a:p>
             <a:fld id="{C3C90D7E-32D6-4894-AE08-7BBB3E610FC9}" type="datetimeFigureOut">
               <a:rPr lang="zh-TW" altLang="en-US" smtClean="0"/>
-              <a:t>2024/9/16</a:t>
+              <a:t>2024/10/23</a:t>
             </a:fld>
             <a:endParaRPr lang="zh-TW" altLang="en-US"/>
           </a:p>
@@ -452,7 +1526,7 @@
           <a:p>
             <a:fld id="{C3C90D7E-32D6-4894-AE08-7BBB3E610FC9}" type="datetimeFigureOut">
               <a:rPr lang="zh-TW" altLang="en-US" smtClean="0"/>
-              <a:t>2024/9/16</a:t>
+              <a:t>2024/10/23</a:t>
             </a:fld>
             <a:endParaRPr lang="zh-TW" altLang="en-US"/>
           </a:p>
@@ -660,7 +1734,7 @@
           <a:p>
             <a:fld id="{C3C90D7E-32D6-4894-AE08-7BBB3E610FC9}" type="datetimeFigureOut">
               <a:rPr lang="zh-TW" altLang="en-US" smtClean="0"/>
-              <a:t>2024/9/16</a:t>
+              <a:t>2024/10/23</a:t>
             </a:fld>
             <a:endParaRPr lang="zh-TW" altLang="en-US"/>
           </a:p>
@@ -858,7 +1932,7 @@
           <a:p>
             <a:fld id="{C3C90D7E-32D6-4894-AE08-7BBB3E610FC9}" type="datetimeFigureOut">
               <a:rPr lang="zh-TW" altLang="en-US" smtClean="0"/>
-              <a:t>2024/9/16</a:t>
+              <a:t>2024/10/23</a:t>
             </a:fld>
             <a:endParaRPr lang="zh-TW" altLang="en-US"/>
           </a:p>
@@ -1133,7 +2207,7 @@
           <a:p>
             <a:fld id="{C3C90D7E-32D6-4894-AE08-7BBB3E610FC9}" type="datetimeFigureOut">
               <a:rPr lang="zh-TW" altLang="en-US" smtClean="0"/>
-              <a:t>2024/9/16</a:t>
+              <a:t>2024/10/23</a:t>
             </a:fld>
             <a:endParaRPr lang="zh-TW" altLang="en-US"/>
           </a:p>
@@ -1398,7 +2472,7 @@
           <a:p>
             <a:fld id="{C3C90D7E-32D6-4894-AE08-7BBB3E610FC9}" type="datetimeFigureOut">
               <a:rPr lang="zh-TW" altLang="en-US" smtClean="0"/>
-              <a:t>2024/9/16</a:t>
+              <a:t>2024/10/23</a:t>
             </a:fld>
             <a:endParaRPr lang="zh-TW" altLang="en-US"/>
           </a:p>
@@ -1810,7 +2884,7 @@
           <a:p>
             <a:fld id="{C3C90D7E-32D6-4894-AE08-7BBB3E610FC9}" type="datetimeFigureOut">
               <a:rPr lang="zh-TW" altLang="en-US" smtClean="0"/>
-              <a:t>2024/9/16</a:t>
+              <a:t>2024/10/23</a:t>
             </a:fld>
             <a:endParaRPr lang="zh-TW" altLang="en-US"/>
           </a:p>
@@ -1919,7 +2993,14 @@
         <p:spPr/>
         <p:txBody>
           <a:bodyPr/>
-          <a:lstStyle/>
+          <a:lstStyle>
+            <a:lvl1pPr>
+              <a:defRPr>
+                <a:latin typeface="華文宋體 Regular" panose="02020502040202010101" pitchFamily="18" charset="-122"/>
+                <a:ea typeface="華文宋體 Regular" panose="02020502040202010101" pitchFamily="18" charset="-122"/>
+              </a:defRPr>
+            </a:lvl1pPr>
+          </a:lstStyle>
           <a:p>
             <a:r>
               <a:rPr lang="zh-TW" altLang="en-US"/>
@@ -1951,7 +3032,7 @@
           <a:p>
             <a:fld id="{C3C90D7E-32D6-4894-AE08-7BBB3E610FC9}" type="datetimeFigureOut">
               <a:rPr lang="zh-TW" altLang="en-US" smtClean="0"/>
-              <a:t>2024/9/16</a:t>
+              <a:t>2024/10/23</a:t>
             </a:fld>
             <a:endParaRPr lang="zh-TW" altLang="en-US"/>
           </a:p>
@@ -2064,7 +3145,7 @@
           <a:p>
             <a:fld id="{C3C90D7E-32D6-4894-AE08-7BBB3E610FC9}" type="datetimeFigureOut">
               <a:rPr lang="zh-TW" altLang="en-US" smtClean="0"/>
-              <a:t>2024/9/16</a:t>
+              <a:t>2024/10/23</a:t>
             </a:fld>
             <a:endParaRPr lang="zh-TW" altLang="en-US"/>
           </a:p>
@@ -2375,7 +3456,7 @@
           <a:p>
             <a:fld id="{C3C90D7E-32D6-4894-AE08-7BBB3E610FC9}" type="datetimeFigureOut">
               <a:rPr lang="zh-TW" altLang="en-US" smtClean="0"/>
-              <a:t>2024/9/16</a:t>
+              <a:t>2024/10/23</a:t>
             </a:fld>
             <a:endParaRPr lang="zh-TW" altLang="en-US"/>
           </a:p>
@@ -2663,7 +3744,7 @@
           <a:p>
             <a:fld id="{C3C90D7E-32D6-4894-AE08-7BBB3E610FC9}" type="datetimeFigureOut">
               <a:rPr lang="zh-TW" altLang="en-US" smtClean="0"/>
-              <a:t>2024/9/16</a:t>
+              <a:t>2024/10/23</a:t>
             </a:fld>
             <a:endParaRPr lang="zh-TW" altLang="en-US"/>
           </a:p>
@@ -2740,9 +3821,12 @@
 <p:sldMaster xmlns:a="http://schemas.openxmlformats.org/drawingml/2006/main" xmlns:r="http://schemas.openxmlformats.org/officeDocument/2006/relationships" xmlns:p="http://schemas.openxmlformats.org/presentationml/2006/main">
   <p:cSld>
     <p:bg>
-      <p:bgRef idx="1001">
-        <a:schemeClr val="bg1"/>
-      </p:bgRef>
+      <p:bgPr>
+        <a:solidFill>
+          <a:srgbClr val="A7B5CD"/>
+        </a:solidFill>
+        <a:effectLst/>
+      </p:bgPr>
     </p:bg>
     <p:spTree>
       <p:nvGrpSpPr>
@@ -2904,7 +3988,7 @@
           <a:p>
             <a:fld id="{C3C90D7E-32D6-4894-AE08-7BBB3E610FC9}" type="datetimeFigureOut">
               <a:rPr lang="zh-TW" altLang="en-US" smtClean="0"/>
-              <a:t>2024/9/16</a:t>
+              <a:t>2024/10/23</a:t>
             </a:fld>
             <a:endParaRPr lang="zh-TW" altLang="en-US"/>
           </a:p>
@@ -3323,18 +4407,18 @@
       </p:grpSpPr>
       <p:sp>
         <p:nvSpPr>
-          <p:cNvPr id="2" name="標題 1">
-            <a:extLst>
-              <a:ext uri="{FF2B5EF4-FFF2-40B4-BE49-F238E27FC236}">
-                <a16:creationId xmlns:a16="http://schemas.microsoft.com/office/drawing/2014/main" id="{32532283-9F93-4E44-8138-32796965361F}"/>
-              </a:ext>
-            </a:extLst>
-          </p:cNvPr>
-          <p:cNvSpPr>
-            <a:spLocks noGrp="1"/>
-          </p:cNvSpPr>
-          <p:nvPr>
-            <p:ph type="ctrTitle"/>
+          <p:cNvPr id="4" name="標題 3">
+            <a:extLst>
+              <a:ext uri="{FF2B5EF4-FFF2-40B4-BE49-F238E27FC236}">
+                <a16:creationId xmlns:a16="http://schemas.microsoft.com/office/drawing/2014/main" id="{FB0396F5-A9E9-A180-A471-B2F441E0CFA7}"/>
+              </a:ext>
+            </a:extLst>
+          </p:cNvPr>
+          <p:cNvSpPr>
+            <a:spLocks noGrp="1"/>
+          </p:cNvSpPr>
+          <p:nvPr>
+            <p:ph type="title"/>
           </p:nvPr>
         </p:nvSpPr>
         <p:spPr/>
@@ -3342,39 +4426,1824 @@
           <a:bodyPr/>
           <a:lstStyle/>
           <a:p>
-            <a:endParaRPr lang="zh-TW" altLang="en-US"/>
-          </a:p>
-        </p:txBody>
-      </p:sp>
-      <p:sp>
-        <p:nvSpPr>
-          <p:cNvPr id="3" name="副標題 2">
-            <a:extLst>
-              <a:ext uri="{FF2B5EF4-FFF2-40B4-BE49-F238E27FC236}">
-                <a16:creationId xmlns:a16="http://schemas.microsoft.com/office/drawing/2014/main" id="{8C946F38-524D-4B98-B9CB-80AEE57E455A}"/>
-              </a:ext>
-            </a:extLst>
-          </p:cNvPr>
-          <p:cNvSpPr>
-            <a:spLocks noGrp="1"/>
-          </p:cNvSpPr>
-          <p:nvPr>
-            <p:ph type="subTitle" idx="1"/>
-          </p:nvPr>
-        </p:nvSpPr>
-        <p:spPr/>
-        <p:txBody>
-          <a:bodyPr/>
-          <a:lstStyle/>
-          <a:p>
-            <a:endParaRPr lang="zh-TW" altLang="en-US"/>
-          </a:p>
-        </p:txBody>
-      </p:sp>
+            <a:r>
+              <a:rPr lang="zh-TW" altLang="en-US" dirty="0">
+                <a:latin typeface="華文宋體 Regular" panose="02020502040202010101" pitchFamily="18" charset="-122"/>
+                <a:ea typeface="華文宋體 Regular" panose="02020502040202010101" pitchFamily="18" charset="-122"/>
+                <a:cs typeface="文鼎中鋼筆行楷" panose="02010609010101010101" pitchFamily="49" charset="-120"/>
+              </a:rPr>
+              <a:t>目標</a:t>
+            </a:r>
+          </a:p>
+        </p:txBody>
+      </p:sp>
+      <p:pic>
+        <p:nvPicPr>
+          <p:cNvPr id="8" name="圖片 7">
+            <a:extLst>
+              <a:ext uri="{FF2B5EF4-FFF2-40B4-BE49-F238E27FC236}">
+                <a16:creationId xmlns:a16="http://schemas.microsoft.com/office/drawing/2014/main" id="{2D6C3639-D086-605A-11CB-325BCB5719D1}"/>
+              </a:ext>
+            </a:extLst>
+          </p:cNvPr>
+          <p:cNvPicPr>
+            <a:picLocks noChangeAspect="1"/>
+          </p:cNvPicPr>
+          <p:nvPr/>
+        </p:nvPicPr>
+        <p:blipFill>
+          <a:blip r:embed="rId3"/>
+          <a:stretch>
+            <a:fillRect/>
+          </a:stretch>
+        </p:blipFill>
+        <p:spPr>
+          <a:xfrm>
+            <a:off x="5334000" y="0"/>
+            <a:ext cx="6858000" cy="6858000"/>
+          </a:xfrm>
+          <a:prstGeom prst="rect">
+            <a:avLst/>
+          </a:prstGeom>
+        </p:spPr>
+      </p:pic>
     </p:spTree>
     <p:extLst>
       <p:ext uri="{BB962C8B-B14F-4D97-AF65-F5344CB8AC3E}">
         <p14:creationId xmlns:p14="http://schemas.microsoft.com/office/powerpoint/2010/main" val="1328321055"/>
+      </p:ext>
+    </p:extLst>
+  </p:cSld>
+  <p:clrMapOvr>
+    <a:masterClrMapping/>
+  </p:clrMapOvr>
+</p:sld>
+</file>
+
+<file path=ppt/slides/slide2.xml><?xml version="1.0" encoding="utf-8"?>
+<p:sld xmlns:a="http://schemas.openxmlformats.org/drawingml/2006/main" xmlns:r="http://schemas.openxmlformats.org/officeDocument/2006/relationships" xmlns:p="http://schemas.openxmlformats.org/presentationml/2006/main">
+  <p:cSld>
+    <p:spTree>
+      <p:nvGrpSpPr>
+        <p:cNvPr id="1" name=""/>
+        <p:cNvGrpSpPr/>
+        <p:nvPr/>
+      </p:nvGrpSpPr>
+      <p:grpSpPr>
+        <a:xfrm>
+          <a:off x="0" y="0"/>
+          <a:ext cx="0" cy="0"/>
+          <a:chOff x="0" y="0"/>
+          <a:chExt cx="0" cy="0"/>
+        </a:xfrm>
+      </p:grpSpPr>
+      <p:sp>
+        <p:nvSpPr>
+          <p:cNvPr id="2" name="標題 1">
+            <a:extLst>
+              <a:ext uri="{FF2B5EF4-FFF2-40B4-BE49-F238E27FC236}">
+                <a16:creationId xmlns:a16="http://schemas.microsoft.com/office/drawing/2014/main" id="{23F0BBA2-26A1-8CD3-759E-2755F051C006}"/>
+              </a:ext>
+            </a:extLst>
+          </p:cNvPr>
+          <p:cNvSpPr>
+            <a:spLocks noGrp="1"/>
+          </p:cNvSpPr>
+          <p:nvPr>
+            <p:ph type="title"/>
+          </p:nvPr>
+        </p:nvSpPr>
+        <p:spPr/>
+        <p:txBody>
+          <a:bodyPr/>
+          <a:lstStyle/>
+          <a:p>
+            <a:r>
+              <a:rPr lang="zh-TW" altLang="en-US" dirty="0"/>
+              <a:t>阻礙</a:t>
+            </a:r>
+          </a:p>
+        </p:txBody>
+      </p:sp>
+      <p:pic>
+        <p:nvPicPr>
+          <p:cNvPr id="6" name="圖片 5">
+            <a:extLst>
+              <a:ext uri="{FF2B5EF4-FFF2-40B4-BE49-F238E27FC236}">
+                <a16:creationId xmlns:a16="http://schemas.microsoft.com/office/drawing/2014/main" id="{A6432C72-BED7-5C5B-85D7-4EF245BC66EB}"/>
+              </a:ext>
+            </a:extLst>
+          </p:cNvPr>
+          <p:cNvPicPr>
+            <a:picLocks noChangeAspect="1"/>
+          </p:cNvPicPr>
+          <p:nvPr/>
+        </p:nvPicPr>
+        <p:blipFill>
+          <a:blip r:embed="rId3"/>
+          <a:stretch>
+            <a:fillRect/>
+          </a:stretch>
+        </p:blipFill>
+        <p:spPr>
+          <a:xfrm>
+            <a:off x="5334000" y="0"/>
+            <a:ext cx="6858000" cy="6858000"/>
+          </a:xfrm>
+          <a:prstGeom prst="rect">
+            <a:avLst/>
+          </a:prstGeom>
+        </p:spPr>
+      </p:pic>
+    </p:spTree>
+    <p:extLst>
+      <p:ext uri="{BB962C8B-B14F-4D97-AF65-F5344CB8AC3E}">
+        <p14:creationId xmlns:p14="http://schemas.microsoft.com/office/powerpoint/2010/main" val="1745942333"/>
+      </p:ext>
+    </p:extLst>
+  </p:cSld>
+  <p:clrMapOvr>
+    <a:masterClrMapping/>
+  </p:clrMapOvr>
+</p:sld>
+</file>
+
+<file path=ppt/slides/slide3.xml><?xml version="1.0" encoding="utf-8"?>
+<p:sld xmlns:a="http://schemas.openxmlformats.org/drawingml/2006/main" xmlns:r="http://schemas.openxmlformats.org/officeDocument/2006/relationships" xmlns:p="http://schemas.openxmlformats.org/presentationml/2006/main">
+  <p:cSld>
+    <p:spTree>
+      <p:nvGrpSpPr>
+        <p:cNvPr id="1" name=""/>
+        <p:cNvGrpSpPr/>
+        <p:nvPr/>
+      </p:nvGrpSpPr>
+      <p:grpSpPr>
+        <a:xfrm>
+          <a:off x="0" y="0"/>
+          <a:ext cx="0" cy="0"/>
+          <a:chOff x="0" y="0"/>
+          <a:chExt cx="0" cy="0"/>
+        </a:xfrm>
+      </p:grpSpPr>
+      <p:sp>
+        <p:nvSpPr>
+          <p:cNvPr id="2" name="標題 1">
+            <a:extLst>
+              <a:ext uri="{FF2B5EF4-FFF2-40B4-BE49-F238E27FC236}">
+                <a16:creationId xmlns:a16="http://schemas.microsoft.com/office/drawing/2014/main" id="{094A02ED-CCD7-C8C6-B804-4FD70093A219}"/>
+              </a:ext>
+            </a:extLst>
+          </p:cNvPr>
+          <p:cNvSpPr>
+            <a:spLocks noGrp="1"/>
+          </p:cNvSpPr>
+          <p:nvPr>
+            <p:ph type="title"/>
+          </p:nvPr>
+        </p:nvSpPr>
+        <p:spPr/>
+        <p:txBody>
+          <a:bodyPr/>
+          <a:lstStyle/>
+          <a:p>
+            <a:r>
+              <a:rPr lang="zh-TW" altLang="en-US" dirty="0"/>
+              <a:t>努力</a:t>
+            </a:r>
+          </a:p>
+        </p:txBody>
+      </p:sp>
+      <p:pic>
+        <p:nvPicPr>
+          <p:cNvPr id="4" name="圖片 3">
+            <a:extLst>
+              <a:ext uri="{FF2B5EF4-FFF2-40B4-BE49-F238E27FC236}">
+                <a16:creationId xmlns:a16="http://schemas.microsoft.com/office/drawing/2014/main" id="{6FC340D9-574B-BE97-53FB-8A878C95054F}"/>
+              </a:ext>
+            </a:extLst>
+          </p:cNvPr>
+          <p:cNvPicPr>
+            <a:picLocks noChangeAspect="1"/>
+          </p:cNvPicPr>
+          <p:nvPr/>
+        </p:nvPicPr>
+        <p:blipFill>
+          <a:blip r:embed="rId3"/>
+          <a:stretch>
+            <a:fillRect/>
+          </a:stretch>
+        </p:blipFill>
+        <p:spPr>
+          <a:xfrm>
+            <a:off x="5334000" y="0"/>
+            <a:ext cx="6858000" cy="6858000"/>
+          </a:xfrm>
+          <a:prstGeom prst="rect">
+            <a:avLst/>
+          </a:prstGeom>
+        </p:spPr>
+      </p:pic>
+    </p:spTree>
+    <p:extLst>
+      <p:ext uri="{BB962C8B-B14F-4D97-AF65-F5344CB8AC3E}">
+        <p14:creationId xmlns:p14="http://schemas.microsoft.com/office/powerpoint/2010/main" val="2839387777"/>
+      </p:ext>
+    </p:extLst>
+  </p:cSld>
+  <p:clrMapOvr>
+    <a:masterClrMapping/>
+  </p:clrMapOvr>
+</p:sld>
+</file>
+
+<file path=ppt/slides/slide4.xml><?xml version="1.0" encoding="utf-8"?>
+<p:sld xmlns:a="http://schemas.openxmlformats.org/drawingml/2006/main" xmlns:r="http://schemas.openxmlformats.org/officeDocument/2006/relationships" xmlns:p="http://schemas.openxmlformats.org/presentationml/2006/main">
+  <p:cSld>
+    <p:spTree>
+      <p:nvGrpSpPr>
+        <p:cNvPr id="1" name=""/>
+        <p:cNvGrpSpPr/>
+        <p:nvPr/>
+      </p:nvGrpSpPr>
+      <p:grpSpPr>
+        <a:xfrm>
+          <a:off x="0" y="0"/>
+          <a:ext cx="0" cy="0"/>
+          <a:chOff x="0" y="0"/>
+          <a:chExt cx="0" cy="0"/>
+        </a:xfrm>
+      </p:grpSpPr>
+      <p:sp>
+        <p:nvSpPr>
+          <p:cNvPr id="2" name="標題 1">
+            <a:extLst>
+              <a:ext uri="{FF2B5EF4-FFF2-40B4-BE49-F238E27FC236}">
+                <a16:creationId xmlns:a16="http://schemas.microsoft.com/office/drawing/2014/main" id="{0567B5B3-75C7-5576-1AE4-ECC34D4738C5}"/>
+              </a:ext>
+            </a:extLst>
+          </p:cNvPr>
+          <p:cNvSpPr>
+            <a:spLocks noGrp="1"/>
+          </p:cNvSpPr>
+          <p:nvPr>
+            <p:ph type="title"/>
+          </p:nvPr>
+        </p:nvSpPr>
+        <p:spPr/>
+        <p:txBody>
+          <a:bodyPr/>
+          <a:lstStyle/>
+          <a:p>
+            <a:r>
+              <a:rPr lang="zh-TW" altLang="en-US" dirty="0"/>
+              <a:t>結果</a:t>
+            </a:r>
+          </a:p>
+        </p:txBody>
+      </p:sp>
+      <p:pic>
+        <p:nvPicPr>
+          <p:cNvPr id="4" name="圖片 3">
+            <a:extLst>
+              <a:ext uri="{FF2B5EF4-FFF2-40B4-BE49-F238E27FC236}">
+                <a16:creationId xmlns:a16="http://schemas.microsoft.com/office/drawing/2014/main" id="{A440DA7C-2ABE-D5E8-1668-FADEB275CB4E}"/>
+              </a:ext>
+            </a:extLst>
+          </p:cNvPr>
+          <p:cNvPicPr>
+            <a:picLocks noChangeAspect="1"/>
+          </p:cNvPicPr>
+          <p:nvPr/>
+        </p:nvPicPr>
+        <p:blipFill>
+          <a:blip r:embed="rId3"/>
+          <a:stretch>
+            <a:fillRect/>
+          </a:stretch>
+        </p:blipFill>
+        <p:spPr>
+          <a:xfrm>
+            <a:off x="5334000" y="0"/>
+            <a:ext cx="6858000" cy="6858000"/>
+          </a:xfrm>
+          <a:prstGeom prst="rect">
+            <a:avLst/>
+          </a:prstGeom>
+        </p:spPr>
+      </p:pic>
+    </p:spTree>
+    <p:extLst>
+      <p:ext uri="{BB962C8B-B14F-4D97-AF65-F5344CB8AC3E}">
+        <p14:creationId xmlns:p14="http://schemas.microsoft.com/office/powerpoint/2010/main" val="2228909215"/>
+      </p:ext>
+    </p:extLst>
+  </p:cSld>
+  <p:clrMapOvr>
+    <a:masterClrMapping/>
+  </p:clrMapOvr>
+</p:sld>
+</file>
+
+<file path=ppt/slides/slide5.xml><?xml version="1.0" encoding="utf-8"?>
+<p:sld xmlns:a="http://schemas.openxmlformats.org/drawingml/2006/main" xmlns:r="http://schemas.openxmlformats.org/officeDocument/2006/relationships" xmlns:p="http://schemas.openxmlformats.org/presentationml/2006/main">
+  <p:cSld>
+    <p:spTree>
+      <p:nvGrpSpPr>
+        <p:cNvPr id="1" name=""/>
+        <p:cNvGrpSpPr/>
+        <p:nvPr/>
+      </p:nvGrpSpPr>
+      <p:grpSpPr>
+        <a:xfrm>
+          <a:off x="0" y="0"/>
+          <a:ext cx="0" cy="0"/>
+          <a:chOff x="0" y="0"/>
+          <a:chExt cx="0" cy="0"/>
+        </a:xfrm>
+      </p:grpSpPr>
+      <p:sp>
+        <p:nvSpPr>
+          <p:cNvPr id="2" name="標題 1">
+            <a:extLst>
+              <a:ext uri="{FF2B5EF4-FFF2-40B4-BE49-F238E27FC236}">
+                <a16:creationId xmlns:a16="http://schemas.microsoft.com/office/drawing/2014/main" id="{1472B50A-B4C2-5B0D-3494-EEB424271A3E}"/>
+              </a:ext>
+            </a:extLst>
+          </p:cNvPr>
+          <p:cNvSpPr>
+            <a:spLocks noGrp="1"/>
+          </p:cNvSpPr>
+          <p:nvPr>
+            <p:ph type="title"/>
+          </p:nvPr>
+        </p:nvSpPr>
+        <p:spPr/>
+        <p:txBody>
+          <a:bodyPr/>
+          <a:lstStyle/>
+          <a:p>
+            <a:r>
+              <a:rPr lang="zh-TW" altLang="en-US" dirty="0"/>
+              <a:t>意外</a:t>
+            </a:r>
+          </a:p>
+        </p:txBody>
+      </p:sp>
+      <p:pic>
+        <p:nvPicPr>
+          <p:cNvPr id="4" name="圖片 3">
+            <a:extLst>
+              <a:ext uri="{FF2B5EF4-FFF2-40B4-BE49-F238E27FC236}">
+                <a16:creationId xmlns:a16="http://schemas.microsoft.com/office/drawing/2014/main" id="{CF8C32B5-26F7-8273-80EC-3F5926BAD2F1}"/>
+              </a:ext>
+            </a:extLst>
+          </p:cNvPr>
+          <p:cNvPicPr>
+            <a:picLocks noChangeAspect="1"/>
+          </p:cNvPicPr>
+          <p:nvPr/>
+        </p:nvPicPr>
+        <p:blipFill>
+          <a:blip r:embed="rId3"/>
+          <a:stretch>
+            <a:fillRect/>
+          </a:stretch>
+        </p:blipFill>
+        <p:spPr>
+          <a:xfrm>
+            <a:off x="5334000" y="0"/>
+            <a:ext cx="6858000" cy="6858000"/>
+          </a:xfrm>
+          <a:prstGeom prst="rect">
+            <a:avLst/>
+          </a:prstGeom>
+        </p:spPr>
+      </p:pic>
+    </p:spTree>
+    <p:extLst>
+      <p:ext uri="{BB962C8B-B14F-4D97-AF65-F5344CB8AC3E}">
+        <p14:creationId xmlns:p14="http://schemas.microsoft.com/office/powerpoint/2010/main" val="3683715590"/>
+      </p:ext>
+    </p:extLst>
+  </p:cSld>
+  <p:clrMapOvr>
+    <a:masterClrMapping/>
+  </p:clrMapOvr>
+</p:sld>
+</file>
+
+<file path=ppt/slides/slide6.xml><?xml version="1.0" encoding="utf-8"?>
+<p:sld xmlns:a="http://schemas.openxmlformats.org/drawingml/2006/main" xmlns:r="http://schemas.openxmlformats.org/officeDocument/2006/relationships" xmlns:p="http://schemas.openxmlformats.org/presentationml/2006/main">
+  <p:cSld>
+    <p:spTree>
+      <p:nvGrpSpPr>
+        <p:cNvPr id="1" name=""/>
+        <p:cNvGrpSpPr/>
+        <p:nvPr/>
+      </p:nvGrpSpPr>
+      <p:grpSpPr>
+        <a:xfrm>
+          <a:off x="0" y="0"/>
+          <a:ext cx="0" cy="0"/>
+          <a:chOff x="0" y="0"/>
+          <a:chExt cx="0" cy="0"/>
+        </a:xfrm>
+      </p:grpSpPr>
+      <p:sp>
+        <p:nvSpPr>
+          <p:cNvPr id="2" name="標題 1">
+            <a:extLst>
+              <a:ext uri="{FF2B5EF4-FFF2-40B4-BE49-F238E27FC236}">
+                <a16:creationId xmlns:a16="http://schemas.microsoft.com/office/drawing/2014/main" id="{7DF44136-EDF7-C484-847E-0E685F934E8D}"/>
+              </a:ext>
+            </a:extLst>
+          </p:cNvPr>
+          <p:cNvSpPr>
+            <a:spLocks noGrp="1"/>
+          </p:cNvSpPr>
+          <p:nvPr>
+            <p:ph type="title"/>
+          </p:nvPr>
+        </p:nvSpPr>
+        <p:spPr/>
+        <p:txBody>
+          <a:bodyPr/>
+          <a:lstStyle/>
+          <a:p>
+            <a:r>
+              <a:rPr lang="zh-TW" altLang="en-US" dirty="0"/>
+              <a:t>轉彎</a:t>
+            </a:r>
+          </a:p>
+        </p:txBody>
+      </p:sp>
+      <p:pic>
+        <p:nvPicPr>
+          <p:cNvPr id="4" name="圖片 3">
+            <a:extLst>
+              <a:ext uri="{FF2B5EF4-FFF2-40B4-BE49-F238E27FC236}">
+                <a16:creationId xmlns:a16="http://schemas.microsoft.com/office/drawing/2014/main" id="{D36181FD-16BD-C305-E333-E4BDF95AF351}"/>
+              </a:ext>
+            </a:extLst>
+          </p:cNvPr>
+          <p:cNvPicPr>
+            <a:picLocks noChangeAspect="1"/>
+          </p:cNvPicPr>
+          <p:nvPr/>
+        </p:nvPicPr>
+        <p:blipFill>
+          <a:blip r:embed="rId3"/>
+          <a:stretch>
+            <a:fillRect/>
+          </a:stretch>
+        </p:blipFill>
+        <p:spPr>
+          <a:xfrm>
+            <a:off x="5334000" y="0"/>
+            <a:ext cx="6858000" cy="6858000"/>
+          </a:xfrm>
+          <a:prstGeom prst="rect">
+            <a:avLst/>
+          </a:prstGeom>
+        </p:spPr>
+      </p:pic>
+    </p:spTree>
+    <p:extLst>
+      <p:ext uri="{BB962C8B-B14F-4D97-AF65-F5344CB8AC3E}">
+        <p14:creationId xmlns:p14="http://schemas.microsoft.com/office/powerpoint/2010/main" val="2435790295"/>
+      </p:ext>
+    </p:extLst>
+  </p:cSld>
+  <p:clrMapOvr>
+    <a:masterClrMapping/>
+  </p:clrMapOvr>
+</p:sld>
+</file>
+
+<file path=ppt/slides/slide7.xml><?xml version="1.0" encoding="utf-8"?>
+<p:sld xmlns:a="http://schemas.openxmlformats.org/drawingml/2006/main" xmlns:r="http://schemas.openxmlformats.org/officeDocument/2006/relationships" xmlns:p="http://schemas.openxmlformats.org/presentationml/2006/main">
+  <p:cSld>
+    <p:spTree>
+      <p:nvGrpSpPr>
+        <p:cNvPr id="1" name=""/>
+        <p:cNvGrpSpPr/>
+        <p:nvPr/>
+      </p:nvGrpSpPr>
+      <p:grpSpPr>
+        <a:xfrm>
+          <a:off x="0" y="0"/>
+          <a:ext cx="0" cy="0"/>
+          <a:chOff x="0" y="0"/>
+          <a:chExt cx="0" cy="0"/>
+        </a:xfrm>
+      </p:grpSpPr>
+      <p:sp>
+        <p:nvSpPr>
+          <p:cNvPr id="2" name="標題 1">
+            <a:extLst>
+              <a:ext uri="{FF2B5EF4-FFF2-40B4-BE49-F238E27FC236}">
+                <a16:creationId xmlns:a16="http://schemas.microsoft.com/office/drawing/2014/main" id="{9283E9F7-F41D-B4F2-1175-C99650228E8F}"/>
+              </a:ext>
+            </a:extLst>
+          </p:cNvPr>
+          <p:cNvSpPr>
+            <a:spLocks noGrp="1"/>
+          </p:cNvSpPr>
+          <p:nvPr>
+            <p:ph type="title"/>
+          </p:nvPr>
+        </p:nvSpPr>
+        <p:spPr/>
+        <p:txBody>
+          <a:bodyPr/>
+          <a:lstStyle/>
+          <a:p>
+            <a:r>
+              <a:rPr lang="zh-TW" altLang="en-US" dirty="0"/>
+              <a:t>結果</a:t>
+            </a:r>
+          </a:p>
+        </p:txBody>
+      </p:sp>
+      <p:pic>
+        <p:nvPicPr>
+          <p:cNvPr id="4" name="圖片 3">
+            <a:extLst>
+              <a:ext uri="{FF2B5EF4-FFF2-40B4-BE49-F238E27FC236}">
+                <a16:creationId xmlns:a16="http://schemas.microsoft.com/office/drawing/2014/main" id="{0407EA78-4649-3F29-D73C-A002B8CC9965}"/>
+              </a:ext>
+            </a:extLst>
+          </p:cNvPr>
+          <p:cNvPicPr>
+            <a:picLocks noChangeAspect="1"/>
+          </p:cNvPicPr>
+          <p:nvPr/>
+        </p:nvPicPr>
+        <p:blipFill>
+          <a:blip r:embed="rId3"/>
+          <a:stretch>
+            <a:fillRect/>
+          </a:stretch>
+        </p:blipFill>
+        <p:spPr>
+          <a:xfrm>
+            <a:off x="5334000" y="0"/>
+            <a:ext cx="6858000" cy="6858000"/>
+          </a:xfrm>
+          <a:prstGeom prst="rect">
+            <a:avLst/>
+          </a:prstGeom>
+        </p:spPr>
+      </p:pic>
+    </p:spTree>
+    <p:extLst>
+      <p:ext uri="{BB962C8B-B14F-4D97-AF65-F5344CB8AC3E}">
+        <p14:creationId xmlns:p14="http://schemas.microsoft.com/office/powerpoint/2010/main" val="3660813058"/>
+      </p:ext>
+    </p:extLst>
+  </p:cSld>
+  <p:clrMapOvr>
+    <a:masterClrMapping/>
+  </p:clrMapOvr>
+</p:sld>
+</file>
+
+<file path=ppt/slides/slide8.xml><?xml version="1.0" encoding="utf-8"?>
+<p:sld xmlns:a="http://schemas.openxmlformats.org/drawingml/2006/main" xmlns:r="http://schemas.openxmlformats.org/officeDocument/2006/relationships" xmlns:p="http://schemas.openxmlformats.org/presentationml/2006/main">
+  <p:cSld>
+    <p:spTree>
+      <p:nvGrpSpPr>
+        <p:cNvPr id="1" name=""/>
+        <p:cNvGrpSpPr/>
+        <p:nvPr/>
+      </p:nvGrpSpPr>
+      <p:grpSpPr>
+        <a:xfrm>
+          <a:off x="0" y="0"/>
+          <a:ext cx="0" cy="0"/>
+          <a:chOff x="0" y="0"/>
+          <a:chExt cx="0" cy="0"/>
+        </a:xfrm>
+      </p:grpSpPr>
+      <p:graphicFrame>
+        <p:nvGraphicFramePr>
+          <p:cNvPr id="3" name="表格 2">
+            <a:extLst>
+              <a:ext uri="{FF2B5EF4-FFF2-40B4-BE49-F238E27FC236}">
+                <a16:creationId xmlns:a16="http://schemas.microsoft.com/office/drawing/2014/main" id="{86C0D10E-EDB8-67D3-20BD-1A1B2F56E10F}"/>
+              </a:ext>
+            </a:extLst>
+          </p:cNvPr>
+          <p:cNvGraphicFramePr>
+            <a:graphicFrameLocks noGrp="1"/>
+          </p:cNvGraphicFramePr>
+          <p:nvPr>
+            <p:extLst>
+              <p:ext uri="{D42A27DB-BD31-4B8C-83A1-F6EECF244321}">
+                <p14:modId xmlns:p14="http://schemas.microsoft.com/office/powerpoint/2010/main" val="693000455"/>
+              </p:ext>
+            </p:extLst>
+          </p:nvPr>
+        </p:nvGraphicFramePr>
+        <p:xfrm>
+          <a:off x="1197428" y="313509"/>
+          <a:ext cx="9797143" cy="6230982"/>
+        </p:xfrm>
+        <a:graphic>
+          <a:graphicData uri="http://schemas.openxmlformats.org/drawingml/2006/table">
+            <a:tbl>
+              <a:tblPr firstRow="1" firstCol="1" bandRow="1">
+                <a:tableStyleId>{5C22544A-7EE6-4342-B048-85BDC9FD1C3A}</a:tableStyleId>
+              </a:tblPr>
+              <a:tblGrid>
+                <a:gridCol w="1333291">
+                  <a:extLst>
+                    <a:ext uri="{9D8B030D-6E8A-4147-A177-3AD203B41FA5}">
+                      <a16:colId xmlns:a16="http://schemas.microsoft.com/office/drawing/2014/main" val="3741773252"/>
+                    </a:ext>
+                  </a:extLst>
+                </a:gridCol>
+                <a:gridCol w="8463852">
+                  <a:extLst>
+                    <a:ext uri="{9D8B030D-6E8A-4147-A177-3AD203B41FA5}">
+                      <a16:colId xmlns:a16="http://schemas.microsoft.com/office/drawing/2014/main" val="4237849003"/>
+                    </a:ext>
+                  </a:extLst>
+                </a:gridCol>
+              </a:tblGrid>
+              <a:tr h="890140">
+                <a:tc>
+                  <a:txBody>
+                    <a:bodyPr/>
+                    <a:lstStyle/>
+                    <a:p>
+                      <a:r>
+                        <a:rPr lang="zh-TW" sz="2400" kern="100">
+                          <a:solidFill>
+                            <a:schemeClr val="tx1"/>
+                          </a:solidFill>
+                          <a:effectLst/>
+                          <a:latin typeface="華文宋體 Regular" panose="02020502040202010101" pitchFamily="18" charset="-122"/>
+                          <a:ea typeface="華文宋體 Regular" panose="02020502040202010101" pitchFamily="18" charset="-122"/>
+                        </a:rPr>
+                        <a:t>目標</a:t>
+                      </a:r>
+                      <a:endParaRPr lang="zh-TW" sz="2400" kern="100">
+                        <a:solidFill>
+                          <a:schemeClr val="tx1"/>
+                        </a:solidFill>
+                        <a:effectLst/>
+                        <a:latin typeface="華文宋體 Regular" panose="02020502040202010101" pitchFamily="18" charset="-122"/>
+                        <a:ea typeface="華文宋體 Regular" panose="02020502040202010101" pitchFamily="18" charset="-122"/>
+                        <a:cs typeface="Times New Roman" panose="02020603050405020304" pitchFamily="18" charset="0"/>
+                      </a:endParaRPr>
+                    </a:p>
+                  </a:txBody>
+                  <a:tcPr marL="68580" marR="68580" marT="0" marB="0">
+                    <a:lnL w="12700" cap="flat" cmpd="sng" algn="ctr">
+                      <a:solidFill>
+                        <a:schemeClr val="tx1"/>
+                      </a:solidFill>
+                      <a:prstDash val="solid"/>
+                      <a:round/>
+                      <a:headEnd type="none" w="med" len="med"/>
+                      <a:tailEnd type="none" w="med" len="med"/>
+                    </a:lnL>
+                    <a:lnR w="12700" cap="flat" cmpd="sng" algn="ctr">
+                      <a:solidFill>
+                        <a:schemeClr val="tx1"/>
+                      </a:solidFill>
+                      <a:prstDash val="solid"/>
+                      <a:round/>
+                      <a:headEnd type="none" w="med" len="med"/>
+                      <a:tailEnd type="none" w="med" len="med"/>
+                    </a:lnR>
+                    <a:lnT w="12700" cap="flat" cmpd="sng" algn="ctr">
+                      <a:solidFill>
+                        <a:schemeClr val="tx1"/>
+                      </a:solidFill>
+                      <a:prstDash val="solid"/>
+                      <a:round/>
+                      <a:headEnd type="none" w="med" len="med"/>
+                      <a:tailEnd type="none" w="med" len="med"/>
+                    </a:lnT>
+                    <a:lnB w="12700" cap="flat" cmpd="sng" algn="ctr">
+                      <a:solidFill>
+                        <a:schemeClr val="tx1"/>
+                      </a:solidFill>
+                      <a:prstDash val="solid"/>
+                      <a:round/>
+                      <a:headEnd type="none" w="med" len="med"/>
+                      <a:tailEnd type="none" w="med" len="med"/>
+                    </a:lnB>
+                    <a:lnTlToBr w="12700" cmpd="sng">
+                      <a:noFill/>
+                      <a:prstDash val="solid"/>
+                    </a:lnTlToBr>
+                    <a:lnBlToTr w="12700" cmpd="sng">
+                      <a:noFill/>
+                      <a:prstDash val="solid"/>
+                    </a:lnBlToTr>
+                    <a:noFill/>
+                  </a:tcPr>
+                </a:tc>
+                <a:tc>
+                  <a:txBody>
+                    <a:bodyPr/>
+                    <a:lstStyle/>
+                    <a:p>
+                      <a:r>
+                        <a:rPr lang="en-US" sz="2400" kern="100" dirty="0">
+                          <a:solidFill>
+                            <a:schemeClr val="tx1"/>
+                          </a:solidFill>
+                          <a:effectLst/>
+                          <a:latin typeface="華文宋體 Regular" panose="02020502040202010101" pitchFamily="18" charset="-122"/>
+                          <a:ea typeface="華文宋體 Regular" panose="02020502040202010101" pitchFamily="18" charset="-122"/>
+                        </a:rPr>
+                        <a:t>Vivi</a:t>
+                      </a:r>
+                      <a:r>
+                        <a:rPr lang="zh-TW" sz="2400" kern="100" dirty="0">
+                          <a:solidFill>
+                            <a:schemeClr val="tx1"/>
+                          </a:solidFill>
+                          <a:effectLst/>
+                          <a:latin typeface="華文宋體 Regular" panose="02020502040202010101" pitchFamily="18" charset="-122"/>
+                          <a:ea typeface="華文宋體 Regular" panose="02020502040202010101" pitchFamily="18" charset="-122"/>
+                        </a:rPr>
+                        <a:t>接到藝術節的邀請，地點在小阿尼斯城。他正考慮要不要接受</a:t>
+                      </a:r>
+                      <a:endParaRPr lang="zh-TW" sz="2400" kern="100" dirty="0">
+                        <a:solidFill>
+                          <a:schemeClr val="tx1"/>
+                        </a:solidFill>
+                        <a:effectLst/>
+                        <a:latin typeface="華文宋體 Regular" panose="02020502040202010101" pitchFamily="18" charset="-122"/>
+                        <a:ea typeface="華文宋體 Regular" panose="02020502040202010101" pitchFamily="18" charset="-122"/>
+                        <a:cs typeface="Times New Roman" panose="02020603050405020304" pitchFamily="18" charset="0"/>
+                      </a:endParaRPr>
+                    </a:p>
+                  </a:txBody>
+                  <a:tcPr marL="68580" marR="68580" marT="0" marB="0">
+                    <a:lnL w="12700" cap="flat" cmpd="sng" algn="ctr">
+                      <a:solidFill>
+                        <a:schemeClr val="tx1"/>
+                      </a:solidFill>
+                      <a:prstDash val="solid"/>
+                      <a:round/>
+                      <a:headEnd type="none" w="med" len="med"/>
+                      <a:tailEnd type="none" w="med" len="med"/>
+                    </a:lnL>
+                    <a:lnR w="12700" cap="flat" cmpd="sng" algn="ctr">
+                      <a:solidFill>
+                        <a:schemeClr val="tx1"/>
+                      </a:solidFill>
+                      <a:prstDash val="solid"/>
+                      <a:round/>
+                      <a:headEnd type="none" w="med" len="med"/>
+                      <a:tailEnd type="none" w="med" len="med"/>
+                    </a:lnR>
+                    <a:lnT w="12700" cap="flat" cmpd="sng" algn="ctr">
+                      <a:solidFill>
+                        <a:schemeClr val="tx1"/>
+                      </a:solidFill>
+                      <a:prstDash val="solid"/>
+                      <a:round/>
+                      <a:headEnd type="none" w="med" len="med"/>
+                      <a:tailEnd type="none" w="med" len="med"/>
+                    </a:lnT>
+                    <a:lnB w="12700" cap="flat" cmpd="sng" algn="ctr">
+                      <a:solidFill>
+                        <a:schemeClr val="tx1"/>
+                      </a:solidFill>
+                      <a:prstDash val="solid"/>
+                      <a:round/>
+                      <a:headEnd type="none" w="med" len="med"/>
+                      <a:tailEnd type="none" w="med" len="med"/>
+                    </a:lnB>
+                    <a:lnTlToBr w="12700" cmpd="sng">
+                      <a:noFill/>
+                      <a:prstDash val="solid"/>
+                    </a:lnTlToBr>
+                    <a:lnBlToTr w="12700" cmpd="sng">
+                      <a:noFill/>
+                      <a:prstDash val="solid"/>
+                    </a:lnBlToTr>
+                    <a:noFill/>
+                  </a:tcPr>
+                </a:tc>
+                <a:extLst>
+                  <a:ext uri="{0D108BD9-81ED-4DB2-BD59-A6C34878D82A}">
+                    <a16:rowId xmlns:a16="http://schemas.microsoft.com/office/drawing/2014/main" val="2688799353"/>
+                  </a:ext>
+                </a:extLst>
+              </a:tr>
+              <a:tr h="890140">
+                <a:tc>
+                  <a:txBody>
+                    <a:bodyPr/>
+                    <a:lstStyle/>
+                    <a:p>
+                      <a:r>
+                        <a:rPr lang="zh-TW" sz="2400" kern="100">
+                          <a:solidFill>
+                            <a:schemeClr val="tx1"/>
+                          </a:solidFill>
+                          <a:effectLst/>
+                          <a:latin typeface="華文宋體 Regular" panose="02020502040202010101" pitchFamily="18" charset="-122"/>
+                          <a:ea typeface="華文宋體 Regular" panose="02020502040202010101" pitchFamily="18" charset="-122"/>
+                        </a:rPr>
+                        <a:t>阻礙</a:t>
+                      </a:r>
+                      <a:endParaRPr lang="zh-TW" sz="2400" kern="100">
+                        <a:solidFill>
+                          <a:schemeClr val="tx1"/>
+                        </a:solidFill>
+                        <a:effectLst/>
+                        <a:latin typeface="華文宋體 Regular" panose="02020502040202010101" pitchFamily="18" charset="-122"/>
+                        <a:ea typeface="華文宋體 Regular" panose="02020502040202010101" pitchFamily="18" charset="-122"/>
+                        <a:cs typeface="Times New Roman" panose="02020603050405020304" pitchFamily="18" charset="0"/>
+                      </a:endParaRPr>
+                    </a:p>
+                  </a:txBody>
+                  <a:tcPr marL="68580" marR="68580" marT="0" marB="0">
+                    <a:lnL w="12700" cap="flat" cmpd="sng" algn="ctr">
+                      <a:solidFill>
+                        <a:schemeClr val="tx1"/>
+                      </a:solidFill>
+                      <a:prstDash val="solid"/>
+                      <a:round/>
+                      <a:headEnd type="none" w="med" len="med"/>
+                      <a:tailEnd type="none" w="med" len="med"/>
+                    </a:lnL>
+                    <a:lnR w="12700" cap="flat" cmpd="sng" algn="ctr">
+                      <a:solidFill>
+                        <a:schemeClr val="tx1"/>
+                      </a:solidFill>
+                      <a:prstDash val="solid"/>
+                      <a:round/>
+                      <a:headEnd type="none" w="med" len="med"/>
+                      <a:tailEnd type="none" w="med" len="med"/>
+                    </a:lnR>
+                    <a:lnT w="12700" cap="flat" cmpd="sng" algn="ctr">
+                      <a:solidFill>
+                        <a:schemeClr val="tx1"/>
+                      </a:solidFill>
+                      <a:prstDash val="solid"/>
+                      <a:round/>
+                      <a:headEnd type="none" w="med" len="med"/>
+                      <a:tailEnd type="none" w="med" len="med"/>
+                    </a:lnT>
+                    <a:lnB w="12700" cap="flat" cmpd="sng" algn="ctr">
+                      <a:solidFill>
+                        <a:schemeClr val="tx1"/>
+                      </a:solidFill>
+                      <a:prstDash val="solid"/>
+                      <a:round/>
+                      <a:headEnd type="none" w="med" len="med"/>
+                      <a:tailEnd type="none" w="med" len="med"/>
+                    </a:lnB>
+                    <a:lnTlToBr w="12700" cmpd="sng">
+                      <a:noFill/>
+                      <a:prstDash val="solid"/>
+                    </a:lnTlToBr>
+                    <a:lnBlToTr w="12700" cmpd="sng">
+                      <a:noFill/>
+                      <a:prstDash val="solid"/>
+                    </a:lnBlToTr>
+                    <a:noFill/>
+                  </a:tcPr>
+                </a:tc>
+                <a:tc>
+                  <a:txBody>
+                    <a:bodyPr/>
+                    <a:lstStyle/>
+                    <a:p>
+                      <a:r>
+                        <a:rPr lang="en-US" sz="2400" kern="100">
+                          <a:solidFill>
+                            <a:schemeClr val="tx1"/>
+                          </a:solidFill>
+                          <a:effectLst/>
+                          <a:latin typeface="華文宋體 Regular" panose="02020502040202010101" pitchFamily="18" charset="-122"/>
+                          <a:ea typeface="華文宋體 Regular" panose="02020502040202010101" pitchFamily="18" charset="-122"/>
+                        </a:rPr>
+                        <a:t>Vivi</a:t>
+                      </a:r>
+                      <a:r>
+                        <a:rPr lang="zh-TW" sz="2400" kern="100">
+                          <a:solidFill>
+                            <a:schemeClr val="tx1"/>
+                          </a:solidFill>
+                          <a:effectLst/>
+                          <a:latin typeface="華文宋體 Regular" panose="02020502040202010101" pitchFamily="18" charset="-122"/>
+                          <a:ea typeface="華文宋體 Regular" panose="02020502040202010101" pitchFamily="18" charset="-122"/>
+                        </a:rPr>
+                        <a:t>沒去過小阿尼斯城，只知道這是座新的城市；他也不知道該表演什麼</a:t>
+                      </a:r>
+                      <a:endParaRPr lang="zh-TW" sz="2400" kern="100">
+                        <a:solidFill>
+                          <a:schemeClr val="tx1"/>
+                        </a:solidFill>
+                        <a:effectLst/>
+                        <a:latin typeface="華文宋體 Regular" panose="02020502040202010101" pitchFamily="18" charset="-122"/>
+                        <a:ea typeface="華文宋體 Regular" panose="02020502040202010101" pitchFamily="18" charset="-122"/>
+                        <a:cs typeface="Times New Roman" panose="02020603050405020304" pitchFamily="18" charset="0"/>
+                      </a:endParaRPr>
+                    </a:p>
+                  </a:txBody>
+                  <a:tcPr marL="68580" marR="68580" marT="0" marB="0">
+                    <a:lnL w="12700" cap="flat" cmpd="sng" algn="ctr">
+                      <a:solidFill>
+                        <a:schemeClr val="tx1"/>
+                      </a:solidFill>
+                      <a:prstDash val="solid"/>
+                      <a:round/>
+                      <a:headEnd type="none" w="med" len="med"/>
+                      <a:tailEnd type="none" w="med" len="med"/>
+                    </a:lnL>
+                    <a:lnR w="12700" cap="flat" cmpd="sng" algn="ctr">
+                      <a:solidFill>
+                        <a:schemeClr val="tx1"/>
+                      </a:solidFill>
+                      <a:prstDash val="solid"/>
+                      <a:round/>
+                      <a:headEnd type="none" w="med" len="med"/>
+                      <a:tailEnd type="none" w="med" len="med"/>
+                    </a:lnR>
+                    <a:lnT w="12700" cap="flat" cmpd="sng" algn="ctr">
+                      <a:solidFill>
+                        <a:schemeClr val="tx1"/>
+                      </a:solidFill>
+                      <a:prstDash val="solid"/>
+                      <a:round/>
+                      <a:headEnd type="none" w="med" len="med"/>
+                      <a:tailEnd type="none" w="med" len="med"/>
+                    </a:lnT>
+                    <a:lnB w="12700" cap="flat" cmpd="sng" algn="ctr">
+                      <a:solidFill>
+                        <a:schemeClr val="tx1"/>
+                      </a:solidFill>
+                      <a:prstDash val="solid"/>
+                      <a:round/>
+                      <a:headEnd type="none" w="med" len="med"/>
+                      <a:tailEnd type="none" w="med" len="med"/>
+                    </a:lnB>
+                    <a:lnTlToBr w="12700" cmpd="sng">
+                      <a:noFill/>
+                      <a:prstDash val="solid"/>
+                    </a:lnTlToBr>
+                    <a:lnBlToTr w="12700" cmpd="sng">
+                      <a:noFill/>
+                      <a:prstDash val="solid"/>
+                    </a:lnBlToTr>
+                    <a:noFill/>
+                  </a:tcPr>
+                </a:tc>
+                <a:extLst>
+                  <a:ext uri="{0D108BD9-81ED-4DB2-BD59-A6C34878D82A}">
+                    <a16:rowId xmlns:a16="http://schemas.microsoft.com/office/drawing/2014/main" val="1527739682"/>
+                  </a:ext>
+                </a:extLst>
+              </a:tr>
+              <a:tr h="890140">
+                <a:tc>
+                  <a:txBody>
+                    <a:bodyPr/>
+                    <a:lstStyle/>
+                    <a:p>
+                      <a:r>
+                        <a:rPr lang="zh-TW" sz="2400" kern="100">
+                          <a:solidFill>
+                            <a:schemeClr val="tx1"/>
+                          </a:solidFill>
+                          <a:effectLst/>
+                          <a:latin typeface="華文宋體 Regular" panose="02020502040202010101" pitchFamily="18" charset="-122"/>
+                          <a:ea typeface="華文宋體 Regular" panose="02020502040202010101" pitchFamily="18" charset="-122"/>
+                        </a:rPr>
+                        <a:t>努力</a:t>
+                      </a:r>
+                      <a:endParaRPr lang="zh-TW" sz="2400" kern="100">
+                        <a:solidFill>
+                          <a:schemeClr val="tx1"/>
+                        </a:solidFill>
+                        <a:effectLst/>
+                        <a:latin typeface="華文宋體 Regular" panose="02020502040202010101" pitchFamily="18" charset="-122"/>
+                        <a:ea typeface="華文宋體 Regular" panose="02020502040202010101" pitchFamily="18" charset="-122"/>
+                        <a:cs typeface="Times New Roman" panose="02020603050405020304" pitchFamily="18" charset="0"/>
+                      </a:endParaRPr>
+                    </a:p>
+                  </a:txBody>
+                  <a:tcPr marL="68580" marR="68580" marT="0" marB="0">
+                    <a:lnL w="12700" cap="flat" cmpd="sng" algn="ctr">
+                      <a:solidFill>
+                        <a:schemeClr val="tx1"/>
+                      </a:solidFill>
+                      <a:prstDash val="solid"/>
+                      <a:round/>
+                      <a:headEnd type="none" w="med" len="med"/>
+                      <a:tailEnd type="none" w="med" len="med"/>
+                    </a:lnL>
+                    <a:lnR w="12700" cap="flat" cmpd="sng" algn="ctr">
+                      <a:solidFill>
+                        <a:schemeClr val="tx1"/>
+                      </a:solidFill>
+                      <a:prstDash val="solid"/>
+                      <a:round/>
+                      <a:headEnd type="none" w="med" len="med"/>
+                      <a:tailEnd type="none" w="med" len="med"/>
+                    </a:lnR>
+                    <a:lnT w="12700" cap="flat" cmpd="sng" algn="ctr">
+                      <a:solidFill>
+                        <a:schemeClr val="tx1"/>
+                      </a:solidFill>
+                      <a:prstDash val="solid"/>
+                      <a:round/>
+                      <a:headEnd type="none" w="med" len="med"/>
+                      <a:tailEnd type="none" w="med" len="med"/>
+                    </a:lnT>
+                    <a:lnB w="12700" cap="flat" cmpd="sng" algn="ctr">
+                      <a:solidFill>
+                        <a:schemeClr val="tx1"/>
+                      </a:solidFill>
+                      <a:prstDash val="solid"/>
+                      <a:round/>
+                      <a:headEnd type="none" w="med" len="med"/>
+                      <a:tailEnd type="none" w="med" len="med"/>
+                    </a:lnB>
+                    <a:lnTlToBr w="12700" cmpd="sng">
+                      <a:noFill/>
+                      <a:prstDash val="solid"/>
+                    </a:lnTlToBr>
+                    <a:lnBlToTr w="12700" cmpd="sng">
+                      <a:noFill/>
+                      <a:prstDash val="solid"/>
+                    </a:lnBlToTr>
+                    <a:noFill/>
+                  </a:tcPr>
+                </a:tc>
+                <a:tc>
+                  <a:txBody>
+                    <a:bodyPr/>
+                    <a:lstStyle/>
+                    <a:p>
+                      <a:r>
+                        <a:rPr lang="en-US" sz="2400" kern="100" dirty="0">
+                          <a:solidFill>
+                            <a:schemeClr val="tx1"/>
+                          </a:solidFill>
+                          <a:effectLst/>
+                          <a:latin typeface="華文宋體 Regular" panose="02020502040202010101" pitchFamily="18" charset="-122"/>
+                          <a:ea typeface="華文宋體 Regular" panose="02020502040202010101" pitchFamily="18" charset="-122"/>
+                        </a:rPr>
+                        <a:t>Vivi</a:t>
+                      </a:r>
+                      <a:r>
+                        <a:rPr lang="zh-TW" sz="2400" kern="100" dirty="0">
+                          <a:solidFill>
+                            <a:schemeClr val="tx1"/>
+                          </a:solidFill>
+                          <a:effectLst/>
+                          <a:latin typeface="華文宋體 Regular" panose="02020502040202010101" pitchFamily="18" charset="-122"/>
+                          <a:ea typeface="華文宋體 Regular" panose="02020502040202010101" pitchFamily="18" charset="-122"/>
+                        </a:rPr>
+                        <a:t>還是接受了邀請。他想去看看小阿尼斯城，也許他能得到表演的靈感</a:t>
+                      </a:r>
+                      <a:endParaRPr lang="zh-TW" sz="2400" kern="100" dirty="0">
+                        <a:solidFill>
+                          <a:schemeClr val="tx1"/>
+                        </a:solidFill>
+                        <a:effectLst/>
+                        <a:latin typeface="華文宋體 Regular" panose="02020502040202010101" pitchFamily="18" charset="-122"/>
+                        <a:ea typeface="華文宋體 Regular" panose="02020502040202010101" pitchFamily="18" charset="-122"/>
+                        <a:cs typeface="Times New Roman" panose="02020603050405020304" pitchFamily="18" charset="0"/>
+                      </a:endParaRPr>
+                    </a:p>
+                  </a:txBody>
+                  <a:tcPr marL="68580" marR="68580" marT="0" marB="0">
+                    <a:lnL w="12700" cap="flat" cmpd="sng" algn="ctr">
+                      <a:solidFill>
+                        <a:schemeClr val="tx1"/>
+                      </a:solidFill>
+                      <a:prstDash val="solid"/>
+                      <a:round/>
+                      <a:headEnd type="none" w="med" len="med"/>
+                      <a:tailEnd type="none" w="med" len="med"/>
+                    </a:lnL>
+                    <a:lnR w="12700" cap="flat" cmpd="sng" algn="ctr">
+                      <a:solidFill>
+                        <a:schemeClr val="tx1"/>
+                      </a:solidFill>
+                      <a:prstDash val="solid"/>
+                      <a:round/>
+                      <a:headEnd type="none" w="med" len="med"/>
+                      <a:tailEnd type="none" w="med" len="med"/>
+                    </a:lnR>
+                    <a:lnT w="12700" cap="flat" cmpd="sng" algn="ctr">
+                      <a:solidFill>
+                        <a:schemeClr val="tx1"/>
+                      </a:solidFill>
+                      <a:prstDash val="solid"/>
+                      <a:round/>
+                      <a:headEnd type="none" w="med" len="med"/>
+                      <a:tailEnd type="none" w="med" len="med"/>
+                    </a:lnT>
+                    <a:lnB w="12700" cap="flat" cmpd="sng" algn="ctr">
+                      <a:solidFill>
+                        <a:schemeClr val="tx1"/>
+                      </a:solidFill>
+                      <a:prstDash val="solid"/>
+                      <a:round/>
+                      <a:headEnd type="none" w="med" len="med"/>
+                      <a:tailEnd type="none" w="med" len="med"/>
+                    </a:lnB>
+                    <a:lnTlToBr w="12700" cmpd="sng">
+                      <a:noFill/>
+                      <a:prstDash val="solid"/>
+                    </a:lnTlToBr>
+                    <a:lnBlToTr w="12700" cmpd="sng">
+                      <a:noFill/>
+                      <a:prstDash val="solid"/>
+                    </a:lnBlToTr>
+                    <a:noFill/>
+                  </a:tcPr>
+                </a:tc>
+                <a:extLst>
+                  <a:ext uri="{0D108BD9-81ED-4DB2-BD59-A6C34878D82A}">
+                    <a16:rowId xmlns:a16="http://schemas.microsoft.com/office/drawing/2014/main" val="798153162"/>
+                  </a:ext>
+                </a:extLst>
+              </a:tr>
+              <a:tr h="890140">
+                <a:tc>
+                  <a:txBody>
+                    <a:bodyPr/>
+                    <a:lstStyle/>
+                    <a:p>
+                      <a:r>
+                        <a:rPr lang="zh-TW" sz="2400" kern="100">
+                          <a:solidFill>
+                            <a:schemeClr val="tx1"/>
+                          </a:solidFill>
+                          <a:effectLst/>
+                          <a:latin typeface="華文宋體 Regular" panose="02020502040202010101" pitchFamily="18" charset="-122"/>
+                          <a:ea typeface="華文宋體 Regular" panose="02020502040202010101" pitchFamily="18" charset="-122"/>
+                        </a:rPr>
+                        <a:t>結果</a:t>
+                      </a:r>
+                      <a:endParaRPr lang="zh-TW" sz="2400" kern="100">
+                        <a:solidFill>
+                          <a:schemeClr val="tx1"/>
+                        </a:solidFill>
+                        <a:effectLst/>
+                        <a:latin typeface="華文宋體 Regular" panose="02020502040202010101" pitchFamily="18" charset="-122"/>
+                        <a:ea typeface="華文宋體 Regular" panose="02020502040202010101" pitchFamily="18" charset="-122"/>
+                        <a:cs typeface="Times New Roman" panose="02020603050405020304" pitchFamily="18" charset="0"/>
+                      </a:endParaRPr>
+                    </a:p>
+                  </a:txBody>
+                  <a:tcPr marL="68580" marR="68580" marT="0" marB="0">
+                    <a:lnL w="12700" cap="flat" cmpd="sng" algn="ctr">
+                      <a:solidFill>
+                        <a:schemeClr val="tx1"/>
+                      </a:solidFill>
+                      <a:prstDash val="solid"/>
+                      <a:round/>
+                      <a:headEnd type="none" w="med" len="med"/>
+                      <a:tailEnd type="none" w="med" len="med"/>
+                    </a:lnL>
+                    <a:lnR w="12700" cap="flat" cmpd="sng" algn="ctr">
+                      <a:solidFill>
+                        <a:schemeClr val="tx1"/>
+                      </a:solidFill>
+                      <a:prstDash val="solid"/>
+                      <a:round/>
+                      <a:headEnd type="none" w="med" len="med"/>
+                      <a:tailEnd type="none" w="med" len="med"/>
+                    </a:lnR>
+                    <a:lnT w="12700" cap="flat" cmpd="sng" algn="ctr">
+                      <a:solidFill>
+                        <a:schemeClr val="tx1"/>
+                      </a:solidFill>
+                      <a:prstDash val="solid"/>
+                      <a:round/>
+                      <a:headEnd type="none" w="med" len="med"/>
+                      <a:tailEnd type="none" w="med" len="med"/>
+                    </a:lnT>
+                    <a:lnB w="12700" cap="flat" cmpd="sng" algn="ctr">
+                      <a:solidFill>
+                        <a:schemeClr val="tx1"/>
+                      </a:solidFill>
+                      <a:prstDash val="solid"/>
+                      <a:round/>
+                      <a:headEnd type="none" w="med" len="med"/>
+                      <a:tailEnd type="none" w="med" len="med"/>
+                    </a:lnB>
+                    <a:lnTlToBr w="12700" cmpd="sng">
+                      <a:noFill/>
+                      <a:prstDash val="solid"/>
+                    </a:lnTlToBr>
+                    <a:lnBlToTr w="12700" cmpd="sng">
+                      <a:noFill/>
+                      <a:prstDash val="solid"/>
+                    </a:lnBlToTr>
+                    <a:noFill/>
+                  </a:tcPr>
+                </a:tc>
+                <a:tc>
+                  <a:txBody>
+                    <a:bodyPr/>
+                    <a:lstStyle/>
+                    <a:p>
+                      <a:r>
+                        <a:rPr lang="en-US" sz="2400" kern="100">
+                          <a:solidFill>
+                            <a:schemeClr val="tx1"/>
+                          </a:solidFill>
+                          <a:effectLst/>
+                          <a:latin typeface="華文宋體 Regular" panose="02020502040202010101" pitchFamily="18" charset="-122"/>
+                          <a:ea typeface="華文宋體 Regular" panose="02020502040202010101" pitchFamily="18" charset="-122"/>
+                        </a:rPr>
+                        <a:t>Vivi</a:t>
+                      </a:r>
+                      <a:r>
+                        <a:rPr lang="zh-TW" sz="2400" kern="100">
+                          <a:solidFill>
+                            <a:schemeClr val="tx1"/>
+                          </a:solidFill>
+                          <a:effectLst/>
+                          <a:latin typeface="華文宋體 Regular" panose="02020502040202010101" pitchFamily="18" charset="-122"/>
+                          <a:ea typeface="華文宋體 Regular" panose="02020502040202010101" pitchFamily="18" charset="-122"/>
+                        </a:rPr>
+                        <a:t>去了小阿尼斯城。整座城市造型非常新穎，科技發達，到處都是電視螢幕</a:t>
+                      </a:r>
+                      <a:endParaRPr lang="zh-TW" sz="2400" kern="100">
+                        <a:solidFill>
+                          <a:schemeClr val="tx1"/>
+                        </a:solidFill>
+                        <a:effectLst/>
+                        <a:latin typeface="華文宋體 Regular" panose="02020502040202010101" pitchFamily="18" charset="-122"/>
+                        <a:ea typeface="華文宋體 Regular" panose="02020502040202010101" pitchFamily="18" charset="-122"/>
+                        <a:cs typeface="Times New Roman" panose="02020603050405020304" pitchFamily="18" charset="0"/>
+                      </a:endParaRPr>
+                    </a:p>
+                  </a:txBody>
+                  <a:tcPr marL="68580" marR="68580" marT="0" marB="0">
+                    <a:lnL w="12700" cap="flat" cmpd="sng" algn="ctr">
+                      <a:solidFill>
+                        <a:schemeClr val="tx1"/>
+                      </a:solidFill>
+                      <a:prstDash val="solid"/>
+                      <a:round/>
+                      <a:headEnd type="none" w="med" len="med"/>
+                      <a:tailEnd type="none" w="med" len="med"/>
+                    </a:lnL>
+                    <a:lnR w="12700" cap="flat" cmpd="sng" algn="ctr">
+                      <a:solidFill>
+                        <a:schemeClr val="tx1"/>
+                      </a:solidFill>
+                      <a:prstDash val="solid"/>
+                      <a:round/>
+                      <a:headEnd type="none" w="med" len="med"/>
+                      <a:tailEnd type="none" w="med" len="med"/>
+                    </a:lnR>
+                    <a:lnT w="12700" cap="flat" cmpd="sng" algn="ctr">
+                      <a:solidFill>
+                        <a:schemeClr val="tx1"/>
+                      </a:solidFill>
+                      <a:prstDash val="solid"/>
+                      <a:round/>
+                      <a:headEnd type="none" w="med" len="med"/>
+                      <a:tailEnd type="none" w="med" len="med"/>
+                    </a:lnT>
+                    <a:lnB w="12700" cap="flat" cmpd="sng" algn="ctr">
+                      <a:solidFill>
+                        <a:schemeClr val="tx1"/>
+                      </a:solidFill>
+                      <a:prstDash val="solid"/>
+                      <a:round/>
+                      <a:headEnd type="none" w="med" len="med"/>
+                      <a:tailEnd type="none" w="med" len="med"/>
+                    </a:lnB>
+                    <a:lnTlToBr w="12700" cmpd="sng">
+                      <a:noFill/>
+                      <a:prstDash val="solid"/>
+                    </a:lnTlToBr>
+                    <a:lnBlToTr w="12700" cmpd="sng">
+                      <a:noFill/>
+                      <a:prstDash val="solid"/>
+                    </a:lnBlToTr>
+                    <a:noFill/>
+                  </a:tcPr>
+                </a:tc>
+                <a:extLst>
+                  <a:ext uri="{0D108BD9-81ED-4DB2-BD59-A6C34878D82A}">
+                    <a16:rowId xmlns:a16="http://schemas.microsoft.com/office/drawing/2014/main" val="3545568140"/>
+                  </a:ext>
+                </a:extLst>
+              </a:tr>
+              <a:tr h="445071">
+                <a:tc>
+                  <a:txBody>
+                    <a:bodyPr/>
+                    <a:lstStyle/>
+                    <a:p>
+                      <a:r>
+                        <a:rPr lang="zh-TW" sz="2400" kern="100">
+                          <a:solidFill>
+                            <a:schemeClr val="tx1"/>
+                          </a:solidFill>
+                          <a:effectLst/>
+                          <a:latin typeface="華文宋體 Regular" panose="02020502040202010101" pitchFamily="18" charset="-122"/>
+                          <a:ea typeface="華文宋體 Regular" panose="02020502040202010101" pitchFamily="18" charset="-122"/>
+                        </a:rPr>
+                        <a:t>意外</a:t>
+                      </a:r>
+                      <a:endParaRPr lang="zh-TW" sz="2400" kern="100">
+                        <a:solidFill>
+                          <a:schemeClr val="tx1"/>
+                        </a:solidFill>
+                        <a:effectLst/>
+                        <a:latin typeface="華文宋體 Regular" panose="02020502040202010101" pitchFamily="18" charset="-122"/>
+                        <a:ea typeface="華文宋體 Regular" panose="02020502040202010101" pitchFamily="18" charset="-122"/>
+                        <a:cs typeface="Times New Roman" panose="02020603050405020304" pitchFamily="18" charset="0"/>
+                      </a:endParaRPr>
+                    </a:p>
+                  </a:txBody>
+                  <a:tcPr marL="68580" marR="68580" marT="0" marB="0">
+                    <a:lnL w="12700" cap="flat" cmpd="sng" algn="ctr">
+                      <a:solidFill>
+                        <a:schemeClr val="tx1"/>
+                      </a:solidFill>
+                      <a:prstDash val="solid"/>
+                      <a:round/>
+                      <a:headEnd type="none" w="med" len="med"/>
+                      <a:tailEnd type="none" w="med" len="med"/>
+                    </a:lnL>
+                    <a:lnR w="12700" cap="flat" cmpd="sng" algn="ctr">
+                      <a:solidFill>
+                        <a:schemeClr val="tx1"/>
+                      </a:solidFill>
+                      <a:prstDash val="solid"/>
+                      <a:round/>
+                      <a:headEnd type="none" w="med" len="med"/>
+                      <a:tailEnd type="none" w="med" len="med"/>
+                    </a:lnR>
+                    <a:lnT w="12700" cap="flat" cmpd="sng" algn="ctr">
+                      <a:solidFill>
+                        <a:schemeClr val="tx1"/>
+                      </a:solidFill>
+                      <a:prstDash val="solid"/>
+                      <a:round/>
+                      <a:headEnd type="none" w="med" len="med"/>
+                      <a:tailEnd type="none" w="med" len="med"/>
+                    </a:lnT>
+                    <a:lnB w="12700" cap="flat" cmpd="sng" algn="ctr">
+                      <a:solidFill>
+                        <a:schemeClr val="tx1"/>
+                      </a:solidFill>
+                      <a:prstDash val="solid"/>
+                      <a:round/>
+                      <a:headEnd type="none" w="med" len="med"/>
+                      <a:tailEnd type="none" w="med" len="med"/>
+                    </a:lnB>
+                    <a:lnTlToBr w="12700" cmpd="sng">
+                      <a:noFill/>
+                      <a:prstDash val="solid"/>
+                    </a:lnTlToBr>
+                    <a:lnBlToTr w="12700" cmpd="sng">
+                      <a:noFill/>
+                      <a:prstDash val="solid"/>
+                    </a:lnBlToTr>
+                    <a:noFill/>
+                  </a:tcPr>
+                </a:tc>
+                <a:tc>
+                  <a:txBody>
+                    <a:bodyPr/>
+                    <a:lstStyle/>
+                    <a:p>
+                      <a:r>
+                        <a:rPr lang="en-US" sz="2400" kern="100">
+                          <a:solidFill>
+                            <a:schemeClr val="tx1"/>
+                          </a:solidFill>
+                          <a:effectLst/>
+                          <a:latin typeface="華文宋體 Regular" panose="02020502040202010101" pitchFamily="18" charset="-122"/>
+                          <a:ea typeface="華文宋體 Regular" panose="02020502040202010101" pitchFamily="18" charset="-122"/>
+                        </a:rPr>
+                        <a:t>Vivi</a:t>
+                      </a:r>
+                      <a:r>
+                        <a:rPr lang="zh-TW" sz="2400" kern="100">
+                          <a:solidFill>
+                            <a:schemeClr val="tx1"/>
+                          </a:solidFill>
+                          <a:effectLst/>
+                          <a:latin typeface="華文宋體 Regular" panose="02020502040202010101" pitchFamily="18" charset="-122"/>
+                          <a:ea typeface="華文宋體 Regular" panose="02020502040202010101" pitchFamily="18" charset="-122"/>
+                        </a:rPr>
+                        <a:t>找不到集合地點</a:t>
+                      </a:r>
+                      <a:endParaRPr lang="zh-TW" sz="2400" kern="100">
+                        <a:solidFill>
+                          <a:schemeClr val="tx1"/>
+                        </a:solidFill>
+                        <a:effectLst/>
+                        <a:latin typeface="華文宋體 Regular" panose="02020502040202010101" pitchFamily="18" charset="-122"/>
+                        <a:ea typeface="華文宋體 Regular" panose="02020502040202010101" pitchFamily="18" charset="-122"/>
+                        <a:cs typeface="Times New Roman" panose="02020603050405020304" pitchFamily="18" charset="0"/>
+                      </a:endParaRPr>
+                    </a:p>
+                  </a:txBody>
+                  <a:tcPr marL="68580" marR="68580" marT="0" marB="0">
+                    <a:lnL w="12700" cap="flat" cmpd="sng" algn="ctr">
+                      <a:solidFill>
+                        <a:schemeClr val="tx1"/>
+                      </a:solidFill>
+                      <a:prstDash val="solid"/>
+                      <a:round/>
+                      <a:headEnd type="none" w="med" len="med"/>
+                      <a:tailEnd type="none" w="med" len="med"/>
+                    </a:lnL>
+                    <a:lnR w="12700" cap="flat" cmpd="sng" algn="ctr">
+                      <a:solidFill>
+                        <a:schemeClr val="tx1"/>
+                      </a:solidFill>
+                      <a:prstDash val="solid"/>
+                      <a:round/>
+                      <a:headEnd type="none" w="med" len="med"/>
+                      <a:tailEnd type="none" w="med" len="med"/>
+                    </a:lnR>
+                    <a:lnT w="12700" cap="flat" cmpd="sng" algn="ctr">
+                      <a:solidFill>
+                        <a:schemeClr val="tx1"/>
+                      </a:solidFill>
+                      <a:prstDash val="solid"/>
+                      <a:round/>
+                      <a:headEnd type="none" w="med" len="med"/>
+                      <a:tailEnd type="none" w="med" len="med"/>
+                    </a:lnT>
+                    <a:lnB w="12700" cap="flat" cmpd="sng" algn="ctr">
+                      <a:solidFill>
+                        <a:schemeClr val="tx1"/>
+                      </a:solidFill>
+                      <a:prstDash val="solid"/>
+                      <a:round/>
+                      <a:headEnd type="none" w="med" len="med"/>
+                      <a:tailEnd type="none" w="med" len="med"/>
+                    </a:lnB>
+                    <a:lnTlToBr w="12700" cmpd="sng">
+                      <a:noFill/>
+                      <a:prstDash val="solid"/>
+                    </a:lnTlToBr>
+                    <a:lnBlToTr w="12700" cmpd="sng">
+                      <a:noFill/>
+                      <a:prstDash val="solid"/>
+                    </a:lnBlToTr>
+                    <a:noFill/>
+                  </a:tcPr>
+                </a:tc>
+                <a:extLst>
+                  <a:ext uri="{0D108BD9-81ED-4DB2-BD59-A6C34878D82A}">
+                    <a16:rowId xmlns:a16="http://schemas.microsoft.com/office/drawing/2014/main" val="3145617249"/>
+                  </a:ext>
+                </a:extLst>
+              </a:tr>
+              <a:tr h="1335211">
+                <a:tc>
+                  <a:txBody>
+                    <a:bodyPr/>
+                    <a:lstStyle/>
+                    <a:p>
+                      <a:r>
+                        <a:rPr lang="zh-TW" sz="2400" kern="100">
+                          <a:solidFill>
+                            <a:schemeClr val="tx1"/>
+                          </a:solidFill>
+                          <a:effectLst/>
+                          <a:latin typeface="華文宋體 Regular" panose="02020502040202010101" pitchFamily="18" charset="-122"/>
+                          <a:ea typeface="華文宋體 Regular" panose="02020502040202010101" pitchFamily="18" charset="-122"/>
+                        </a:rPr>
+                        <a:t>轉彎</a:t>
+                      </a:r>
+                      <a:endParaRPr lang="zh-TW" sz="2400" kern="100">
+                        <a:solidFill>
+                          <a:schemeClr val="tx1"/>
+                        </a:solidFill>
+                        <a:effectLst/>
+                        <a:latin typeface="華文宋體 Regular" panose="02020502040202010101" pitchFamily="18" charset="-122"/>
+                        <a:ea typeface="華文宋體 Regular" panose="02020502040202010101" pitchFamily="18" charset="-122"/>
+                        <a:cs typeface="Times New Roman" panose="02020603050405020304" pitchFamily="18" charset="0"/>
+                      </a:endParaRPr>
+                    </a:p>
+                  </a:txBody>
+                  <a:tcPr marL="68580" marR="68580" marT="0" marB="0">
+                    <a:lnL w="12700" cap="flat" cmpd="sng" algn="ctr">
+                      <a:solidFill>
+                        <a:schemeClr val="tx1"/>
+                      </a:solidFill>
+                      <a:prstDash val="solid"/>
+                      <a:round/>
+                      <a:headEnd type="none" w="med" len="med"/>
+                      <a:tailEnd type="none" w="med" len="med"/>
+                    </a:lnL>
+                    <a:lnR w="12700" cap="flat" cmpd="sng" algn="ctr">
+                      <a:solidFill>
+                        <a:schemeClr val="tx1"/>
+                      </a:solidFill>
+                      <a:prstDash val="solid"/>
+                      <a:round/>
+                      <a:headEnd type="none" w="med" len="med"/>
+                      <a:tailEnd type="none" w="med" len="med"/>
+                    </a:lnR>
+                    <a:lnT w="12700" cap="flat" cmpd="sng" algn="ctr">
+                      <a:solidFill>
+                        <a:schemeClr val="tx1"/>
+                      </a:solidFill>
+                      <a:prstDash val="solid"/>
+                      <a:round/>
+                      <a:headEnd type="none" w="med" len="med"/>
+                      <a:tailEnd type="none" w="med" len="med"/>
+                    </a:lnT>
+                    <a:lnB w="12700" cap="flat" cmpd="sng" algn="ctr">
+                      <a:solidFill>
+                        <a:schemeClr val="tx1"/>
+                      </a:solidFill>
+                      <a:prstDash val="solid"/>
+                      <a:round/>
+                      <a:headEnd type="none" w="med" len="med"/>
+                      <a:tailEnd type="none" w="med" len="med"/>
+                    </a:lnB>
+                    <a:lnTlToBr w="12700" cmpd="sng">
+                      <a:noFill/>
+                      <a:prstDash val="solid"/>
+                    </a:lnTlToBr>
+                    <a:lnBlToTr w="12700" cmpd="sng">
+                      <a:noFill/>
+                      <a:prstDash val="solid"/>
+                    </a:lnBlToTr>
+                    <a:noFill/>
+                  </a:tcPr>
+                </a:tc>
+                <a:tc>
+                  <a:txBody>
+                    <a:bodyPr/>
+                    <a:lstStyle/>
+                    <a:p>
+                      <a:r>
+                        <a:rPr lang="zh-TW" sz="2400" kern="100">
+                          <a:solidFill>
+                            <a:schemeClr val="tx1"/>
+                          </a:solidFill>
+                          <a:effectLst/>
+                          <a:latin typeface="華文宋體 Regular" panose="02020502040202010101" pitchFamily="18" charset="-122"/>
+                          <a:ea typeface="華文宋體 Regular" panose="02020502040202010101" pitchFamily="18" charset="-122"/>
+                        </a:rPr>
+                        <a:t>他詢問街上的人，但沒人願意和他說話。所有人不是忙著產生奇怪的塑膠珠，就是把塑膠珠投進電視上頭的漏斗、啟動電視，然後盯著電視螢幕的雜亂線條看</a:t>
+                      </a:r>
+                      <a:endParaRPr lang="zh-TW" sz="2400" kern="100">
+                        <a:solidFill>
+                          <a:schemeClr val="tx1"/>
+                        </a:solidFill>
+                        <a:effectLst/>
+                        <a:latin typeface="華文宋體 Regular" panose="02020502040202010101" pitchFamily="18" charset="-122"/>
+                        <a:ea typeface="華文宋體 Regular" panose="02020502040202010101" pitchFamily="18" charset="-122"/>
+                        <a:cs typeface="Times New Roman" panose="02020603050405020304" pitchFamily="18" charset="0"/>
+                      </a:endParaRPr>
+                    </a:p>
+                  </a:txBody>
+                  <a:tcPr marL="68580" marR="68580" marT="0" marB="0">
+                    <a:lnL w="12700" cap="flat" cmpd="sng" algn="ctr">
+                      <a:solidFill>
+                        <a:schemeClr val="tx1"/>
+                      </a:solidFill>
+                      <a:prstDash val="solid"/>
+                      <a:round/>
+                      <a:headEnd type="none" w="med" len="med"/>
+                      <a:tailEnd type="none" w="med" len="med"/>
+                    </a:lnL>
+                    <a:lnR w="12700" cap="flat" cmpd="sng" algn="ctr">
+                      <a:solidFill>
+                        <a:schemeClr val="tx1"/>
+                      </a:solidFill>
+                      <a:prstDash val="solid"/>
+                      <a:round/>
+                      <a:headEnd type="none" w="med" len="med"/>
+                      <a:tailEnd type="none" w="med" len="med"/>
+                    </a:lnR>
+                    <a:lnT w="12700" cap="flat" cmpd="sng" algn="ctr">
+                      <a:solidFill>
+                        <a:schemeClr val="tx1"/>
+                      </a:solidFill>
+                      <a:prstDash val="solid"/>
+                      <a:round/>
+                      <a:headEnd type="none" w="med" len="med"/>
+                      <a:tailEnd type="none" w="med" len="med"/>
+                    </a:lnT>
+                    <a:lnB w="12700" cap="flat" cmpd="sng" algn="ctr">
+                      <a:solidFill>
+                        <a:schemeClr val="tx1"/>
+                      </a:solidFill>
+                      <a:prstDash val="solid"/>
+                      <a:round/>
+                      <a:headEnd type="none" w="med" len="med"/>
+                      <a:tailEnd type="none" w="med" len="med"/>
+                    </a:lnB>
+                    <a:lnTlToBr w="12700" cmpd="sng">
+                      <a:noFill/>
+                      <a:prstDash val="solid"/>
+                    </a:lnTlToBr>
+                    <a:lnBlToTr w="12700" cmpd="sng">
+                      <a:noFill/>
+                      <a:prstDash val="solid"/>
+                    </a:lnBlToTr>
+                    <a:noFill/>
+                  </a:tcPr>
+                </a:tc>
+                <a:extLst>
+                  <a:ext uri="{0D108BD9-81ED-4DB2-BD59-A6C34878D82A}">
+                    <a16:rowId xmlns:a16="http://schemas.microsoft.com/office/drawing/2014/main" val="2909339590"/>
+                  </a:ext>
+                </a:extLst>
+              </a:tr>
+              <a:tr h="890140">
+                <a:tc>
+                  <a:txBody>
+                    <a:bodyPr/>
+                    <a:lstStyle/>
+                    <a:p>
+                      <a:r>
+                        <a:rPr lang="zh-TW" sz="2400" kern="100">
+                          <a:solidFill>
+                            <a:schemeClr val="tx1"/>
+                          </a:solidFill>
+                          <a:effectLst/>
+                          <a:latin typeface="華文宋體 Regular" panose="02020502040202010101" pitchFamily="18" charset="-122"/>
+                          <a:ea typeface="華文宋體 Regular" panose="02020502040202010101" pitchFamily="18" charset="-122"/>
+                        </a:rPr>
+                        <a:t>結局</a:t>
+                      </a:r>
+                      <a:endParaRPr lang="zh-TW" sz="2400" kern="100">
+                        <a:solidFill>
+                          <a:schemeClr val="tx1"/>
+                        </a:solidFill>
+                        <a:effectLst/>
+                        <a:latin typeface="華文宋體 Regular" panose="02020502040202010101" pitchFamily="18" charset="-122"/>
+                        <a:ea typeface="華文宋體 Regular" panose="02020502040202010101" pitchFamily="18" charset="-122"/>
+                        <a:cs typeface="Times New Roman" panose="02020603050405020304" pitchFamily="18" charset="0"/>
+                      </a:endParaRPr>
+                    </a:p>
+                  </a:txBody>
+                  <a:tcPr marL="68580" marR="68580" marT="0" marB="0">
+                    <a:lnL w="12700" cap="flat" cmpd="sng" algn="ctr">
+                      <a:solidFill>
+                        <a:schemeClr val="tx1"/>
+                      </a:solidFill>
+                      <a:prstDash val="solid"/>
+                      <a:round/>
+                      <a:headEnd type="none" w="med" len="med"/>
+                      <a:tailEnd type="none" w="med" len="med"/>
+                    </a:lnL>
+                    <a:lnR w="12700" cap="flat" cmpd="sng" algn="ctr">
+                      <a:solidFill>
+                        <a:schemeClr val="tx1"/>
+                      </a:solidFill>
+                      <a:prstDash val="solid"/>
+                      <a:round/>
+                      <a:headEnd type="none" w="med" len="med"/>
+                      <a:tailEnd type="none" w="med" len="med"/>
+                    </a:lnR>
+                    <a:lnT w="12700" cap="flat" cmpd="sng" algn="ctr">
+                      <a:solidFill>
+                        <a:schemeClr val="tx1"/>
+                      </a:solidFill>
+                      <a:prstDash val="solid"/>
+                      <a:round/>
+                      <a:headEnd type="none" w="med" len="med"/>
+                      <a:tailEnd type="none" w="med" len="med"/>
+                    </a:lnT>
+                    <a:lnB w="12700" cap="flat" cmpd="sng" algn="ctr">
+                      <a:solidFill>
+                        <a:schemeClr val="tx1"/>
+                      </a:solidFill>
+                      <a:prstDash val="solid"/>
+                      <a:round/>
+                      <a:headEnd type="none" w="med" len="med"/>
+                      <a:tailEnd type="none" w="med" len="med"/>
+                    </a:lnB>
+                    <a:lnTlToBr w="12700" cmpd="sng">
+                      <a:noFill/>
+                      <a:prstDash val="solid"/>
+                    </a:lnTlToBr>
+                    <a:lnBlToTr w="12700" cmpd="sng">
+                      <a:noFill/>
+                      <a:prstDash val="solid"/>
+                    </a:lnBlToTr>
+                    <a:noFill/>
+                  </a:tcPr>
+                </a:tc>
+                <a:tc>
+                  <a:txBody>
+                    <a:bodyPr/>
+                    <a:lstStyle/>
+                    <a:p>
+                      <a:r>
+                        <a:rPr lang="en-US" sz="2400" kern="100" dirty="0">
+                          <a:solidFill>
+                            <a:schemeClr val="tx1"/>
+                          </a:solidFill>
+                          <a:effectLst/>
+                          <a:latin typeface="華文宋體 Regular" panose="02020502040202010101" pitchFamily="18" charset="-122"/>
+                          <a:ea typeface="華文宋體 Regular" panose="02020502040202010101" pitchFamily="18" charset="-122"/>
+                        </a:rPr>
+                        <a:t>Vivi</a:t>
+                      </a:r>
+                      <a:r>
+                        <a:rPr lang="zh-TW" sz="2400" kern="100" dirty="0">
+                          <a:solidFill>
+                            <a:schemeClr val="tx1"/>
+                          </a:solidFill>
+                          <a:effectLst/>
+                          <a:latin typeface="華文宋體 Regular" panose="02020502040202010101" pitchFamily="18" charset="-122"/>
+                          <a:ea typeface="華文宋體 Regular" panose="02020502040202010101" pitchFamily="18" charset="-122"/>
+                        </a:rPr>
+                        <a:t>發現電視和塑膠珠的管線全都朝同個方向延伸，他朝管子的方向走，找到了集合地點</a:t>
+                      </a:r>
+                      <a:endParaRPr lang="zh-TW" sz="2400" kern="100" dirty="0">
+                        <a:solidFill>
+                          <a:schemeClr val="tx1"/>
+                        </a:solidFill>
+                        <a:effectLst/>
+                        <a:latin typeface="華文宋體 Regular" panose="02020502040202010101" pitchFamily="18" charset="-122"/>
+                        <a:ea typeface="華文宋體 Regular" panose="02020502040202010101" pitchFamily="18" charset="-122"/>
+                        <a:cs typeface="Times New Roman" panose="02020603050405020304" pitchFamily="18" charset="0"/>
+                      </a:endParaRPr>
+                    </a:p>
+                  </a:txBody>
+                  <a:tcPr marL="68580" marR="68580" marT="0" marB="0">
+                    <a:lnL w="12700" cap="flat" cmpd="sng" algn="ctr">
+                      <a:solidFill>
+                        <a:schemeClr val="tx1"/>
+                      </a:solidFill>
+                      <a:prstDash val="solid"/>
+                      <a:round/>
+                      <a:headEnd type="none" w="med" len="med"/>
+                      <a:tailEnd type="none" w="med" len="med"/>
+                    </a:lnL>
+                    <a:lnR w="12700" cap="flat" cmpd="sng" algn="ctr">
+                      <a:solidFill>
+                        <a:schemeClr val="tx1"/>
+                      </a:solidFill>
+                      <a:prstDash val="solid"/>
+                      <a:round/>
+                      <a:headEnd type="none" w="med" len="med"/>
+                      <a:tailEnd type="none" w="med" len="med"/>
+                    </a:lnR>
+                    <a:lnT w="12700" cap="flat" cmpd="sng" algn="ctr">
+                      <a:solidFill>
+                        <a:schemeClr val="tx1"/>
+                      </a:solidFill>
+                      <a:prstDash val="solid"/>
+                      <a:round/>
+                      <a:headEnd type="none" w="med" len="med"/>
+                      <a:tailEnd type="none" w="med" len="med"/>
+                    </a:lnT>
+                    <a:lnB w="12700" cap="flat" cmpd="sng" algn="ctr">
+                      <a:solidFill>
+                        <a:schemeClr val="tx1"/>
+                      </a:solidFill>
+                      <a:prstDash val="solid"/>
+                      <a:round/>
+                      <a:headEnd type="none" w="med" len="med"/>
+                      <a:tailEnd type="none" w="med" len="med"/>
+                    </a:lnB>
+                    <a:lnTlToBr w="12700" cmpd="sng">
+                      <a:noFill/>
+                      <a:prstDash val="solid"/>
+                    </a:lnTlToBr>
+                    <a:lnBlToTr w="12700" cmpd="sng">
+                      <a:noFill/>
+                      <a:prstDash val="solid"/>
+                    </a:lnBlToTr>
+                    <a:noFill/>
+                  </a:tcPr>
+                </a:tc>
+                <a:extLst>
+                  <a:ext uri="{0D108BD9-81ED-4DB2-BD59-A6C34878D82A}">
+                    <a16:rowId xmlns:a16="http://schemas.microsoft.com/office/drawing/2014/main" val="1452877896"/>
+                  </a:ext>
+                </a:extLst>
+              </a:tr>
+            </a:tbl>
+          </a:graphicData>
+        </a:graphic>
+      </p:graphicFrame>
+    </p:spTree>
+    <p:extLst>
+      <p:ext uri="{BB962C8B-B14F-4D97-AF65-F5344CB8AC3E}">
+        <p14:creationId xmlns:p14="http://schemas.microsoft.com/office/powerpoint/2010/main" val="1343481642"/>
       </p:ext>
     </p:extLst>
   </p:cSld>
@@ -3677,4 +6546,299 @@
     </a:ext>
   </a:extLst>
 </a:theme>
+</file>
+
+<file path=ppt/theme/theme2.xml><?xml version="1.0" encoding="utf-8"?>
+<a:theme xmlns:a="http://schemas.openxmlformats.org/drawingml/2006/main" name="Office 佈景主題">
+  <a:themeElements>
+    <a:clrScheme name="Office">
+      <a:dk1>
+        <a:sysClr val="windowText" lastClr="000000"/>
+      </a:dk1>
+      <a:lt1>
+        <a:sysClr val="window" lastClr="FFFFFF"/>
+      </a:lt1>
+      <a:dk2>
+        <a:srgbClr val="44546A"/>
+      </a:dk2>
+      <a:lt2>
+        <a:srgbClr val="E7E6E6"/>
+      </a:lt2>
+      <a:accent1>
+        <a:srgbClr val="4472C4"/>
+      </a:accent1>
+      <a:accent2>
+        <a:srgbClr val="ED7D31"/>
+      </a:accent2>
+      <a:accent3>
+        <a:srgbClr val="A5A5A5"/>
+      </a:accent3>
+      <a:accent4>
+        <a:srgbClr val="FFC000"/>
+      </a:accent4>
+      <a:accent5>
+        <a:srgbClr val="5B9BD5"/>
+      </a:accent5>
+      <a:accent6>
+        <a:srgbClr val="70AD47"/>
+      </a:accent6>
+      <a:hlink>
+        <a:srgbClr val="0563C1"/>
+      </a:hlink>
+      <a:folHlink>
+        <a:srgbClr val="954F72"/>
+      </a:folHlink>
+    </a:clrScheme>
+    <a:fontScheme name="Office">
+      <a:majorFont>
+        <a:latin typeface="Calibri Light" panose="020F0302020204030204"/>
+        <a:ea typeface=""/>
+        <a:cs typeface=""/>
+        <a:font script="Jpan" typeface="游ゴシック Light"/>
+        <a:font script="Hang" typeface="맑은 고딕"/>
+        <a:font script="Hans" typeface="等线 Light"/>
+        <a:font script="Hant" typeface="新細明體"/>
+        <a:font script="Arab" typeface="Times New Roman"/>
+        <a:font script="Hebr" typeface="Times New Roman"/>
+        <a:font script="Thai" typeface="Angsana New"/>
+        <a:font script="Ethi" typeface="Nyala"/>
+        <a:font script="Beng" typeface="Vrinda"/>
+        <a:font script="Gujr" typeface="Shruti"/>
+        <a:font script="Khmr" typeface="MoolBoran"/>
+        <a:font script="Knda" typeface="Tunga"/>
+        <a:font script="Guru" typeface="Raavi"/>
+        <a:font script="Cans" typeface="Euphemia"/>
+        <a:font script="Cher" typeface="Plantagenet Cherokee"/>
+        <a:font script="Yiii" typeface="Microsoft Yi Baiti"/>
+        <a:font script="Tibt" typeface="Microsoft Himalaya"/>
+        <a:font script="Thaa" typeface="MV Boli"/>
+        <a:font script="Deva" typeface="Mangal"/>
+        <a:font script="Telu" typeface="Gautami"/>
+        <a:font script="Taml" typeface="Latha"/>
+        <a:font script="Syrc" typeface="Estrangelo Edessa"/>
+        <a:font script="Orya" typeface="Kalinga"/>
+        <a:font script="Mlym" typeface="Kartika"/>
+        <a:font script="Laoo" typeface="DokChampa"/>
+        <a:font script="Sinh" typeface="Iskoola Pota"/>
+        <a:font script="Mong" typeface="Mongolian Baiti"/>
+        <a:font script="Viet" typeface="Times New Roman"/>
+        <a:font script="Uigh" typeface="Microsoft Uighur"/>
+        <a:font script="Geor" typeface="Sylfaen"/>
+        <a:font script="Armn" typeface="Arial"/>
+        <a:font script="Bugi" typeface="Leelawadee UI"/>
+        <a:font script="Bopo" typeface="Microsoft JhengHei"/>
+        <a:font script="Java" typeface="Javanese Text"/>
+        <a:font script="Lisu" typeface="Segoe UI"/>
+        <a:font script="Mymr" typeface="Myanmar Text"/>
+        <a:font script="Nkoo" typeface="Ebrima"/>
+        <a:font script="Olck" typeface="Nirmala UI"/>
+        <a:font script="Osma" typeface="Ebrima"/>
+        <a:font script="Phag" typeface="Phagspa"/>
+        <a:font script="Syrn" typeface="Estrangelo Edessa"/>
+        <a:font script="Syrj" typeface="Estrangelo Edessa"/>
+        <a:font script="Syre" typeface="Estrangelo Edessa"/>
+        <a:font script="Sora" typeface="Nirmala UI"/>
+        <a:font script="Tale" typeface="Microsoft Tai Le"/>
+        <a:font script="Talu" typeface="Microsoft New Tai Lue"/>
+        <a:font script="Tfng" typeface="Ebrima"/>
+      </a:majorFont>
+      <a:minorFont>
+        <a:latin typeface="Calibri" panose="020F0502020204030204"/>
+        <a:ea typeface=""/>
+        <a:cs typeface=""/>
+        <a:font script="Jpan" typeface="游ゴシック"/>
+        <a:font script="Hang" typeface="맑은 고딕"/>
+        <a:font script="Hans" typeface="等线"/>
+        <a:font script="Hant" typeface="新細明體"/>
+        <a:font script="Arab" typeface="Arial"/>
+        <a:font script="Hebr" typeface="Arial"/>
+        <a:font script="Thai" typeface="Cordia New"/>
+        <a:font script="Ethi" typeface="Nyala"/>
+        <a:font script="Beng" typeface="Vrinda"/>
+        <a:font script="Gujr" typeface="Shruti"/>
+        <a:font script="Khmr" typeface="DaunPenh"/>
+        <a:font script="Knda" typeface="Tunga"/>
+        <a:font script="Guru" typeface="Raavi"/>
+        <a:font script="Cans" typeface="Euphemia"/>
+        <a:font script="Cher" typeface="Plantagenet Cherokee"/>
+        <a:font script="Yiii" typeface="Microsoft Yi Baiti"/>
+        <a:font script="Tibt" typeface="Microsoft Himalaya"/>
+        <a:font script="Thaa" typeface="MV Boli"/>
+        <a:font script="Deva" typeface="Mangal"/>
+        <a:font script="Telu" typeface="Gautami"/>
+        <a:font script="Taml" typeface="Latha"/>
+        <a:font script="Syrc" typeface="Estrangelo Edessa"/>
+        <a:font script="Orya" typeface="Kalinga"/>
+        <a:font script="Mlym" typeface="Kartika"/>
+        <a:font script="Laoo" typeface="DokChampa"/>
+        <a:font script="Sinh" typeface="Iskoola Pota"/>
+        <a:font script="Mong" typeface="Mongolian Baiti"/>
+        <a:font script="Viet" typeface="Arial"/>
+        <a:font script="Uigh" typeface="Microsoft Uighur"/>
+        <a:font script="Geor" typeface="Sylfaen"/>
+        <a:font script="Armn" typeface="Arial"/>
+        <a:font script="Bugi" typeface="Leelawadee UI"/>
+        <a:font script="Bopo" typeface="Microsoft JhengHei"/>
+        <a:font script="Java" typeface="Javanese Text"/>
+        <a:font script="Lisu" typeface="Segoe UI"/>
+        <a:font script="Mymr" typeface="Myanmar Text"/>
+        <a:font script="Nkoo" typeface="Ebrima"/>
+        <a:font script="Olck" typeface="Nirmala UI"/>
+        <a:font script="Osma" typeface="Ebrima"/>
+        <a:font script="Phag" typeface="Phagspa"/>
+        <a:font script="Syrn" typeface="Estrangelo Edessa"/>
+        <a:font script="Syrj" typeface="Estrangelo Edessa"/>
+        <a:font script="Syre" typeface="Estrangelo Edessa"/>
+        <a:font script="Sora" typeface="Nirmala UI"/>
+        <a:font script="Tale" typeface="Microsoft Tai Le"/>
+        <a:font script="Talu" typeface="Microsoft New Tai Lue"/>
+        <a:font script="Tfng" typeface="Ebrima"/>
+      </a:minorFont>
+    </a:fontScheme>
+    <a:fmtScheme name="Office">
+      <a:fillStyleLst>
+        <a:solidFill>
+          <a:schemeClr val="phClr"/>
+        </a:solidFill>
+        <a:gradFill rotWithShape="1">
+          <a:gsLst>
+            <a:gs pos="0">
+              <a:schemeClr val="phClr">
+                <a:lumMod val="110000"/>
+                <a:satMod val="105000"/>
+                <a:tint val="67000"/>
+              </a:schemeClr>
+            </a:gs>
+            <a:gs pos="50000">
+              <a:schemeClr val="phClr">
+                <a:lumMod val="105000"/>
+                <a:satMod val="103000"/>
+                <a:tint val="73000"/>
+              </a:schemeClr>
+            </a:gs>
+            <a:gs pos="100000">
+              <a:schemeClr val="phClr">
+                <a:lumMod val="105000"/>
+                <a:satMod val="109000"/>
+                <a:tint val="81000"/>
+              </a:schemeClr>
+            </a:gs>
+          </a:gsLst>
+          <a:lin ang="5400000" scaled="0"/>
+        </a:gradFill>
+        <a:gradFill rotWithShape="1">
+          <a:gsLst>
+            <a:gs pos="0">
+              <a:schemeClr val="phClr">
+                <a:satMod val="103000"/>
+                <a:lumMod val="102000"/>
+                <a:tint val="94000"/>
+              </a:schemeClr>
+            </a:gs>
+            <a:gs pos="50000">
+              <a:schemeClr val="phClr">
+                <a:satMod val="110000"/>
+                <a:lumMod val="100000"/>
+                <a:shade val="100000"/>
+              </a:schemeClr>
+            </a:gs>
+            <a:gs pos="100000">
+              <a:schemeClr val="phClr">
+                <a:lumMod val="99000"/>
+                <a:satMod val="120000"/>
+                <a:shade val="78000"/>
+              </a:schemeClr>
+            </a:gs>
+          </a:gsLst>
+          <a:lin ang="5400000" scaled="0"/>
+        </a:gradFill>
+      </a:fillStyleLst>
+      <a:lnStyleLst>
+        <a:ln w="6350" cap="flat" cmpd="sng" algn="ctr">
+          <a:solidFill>
+            <a:schemeClr val="phClr"/>
+          </a:solidFill>
+          <a:prstDash val="solid"/>
+          <a:miter lim="800000"/>
+        </a:ln>
+        <a:ln w="12700" cap="flat" cmpd="sng" algn="ctr">
+          <a:solidFill>
+            <a:schemeClr val="phClr"/>
+          </a:solidFill>
+          <a:prstDash val="solid"/>
+          <a:miter lim="800000"/>
+        </a:ln>
+        <a:ln w="19050" cap="flat" cmpd="sng" algn="ctr">
+          <a:solidFill>
+            <a:schemeClr val="phClr"/>
+          </a:solidFill>
+          <a:prstDash val="solid"/>
+          <a:miter lim="800000"/>
+        </a:ln>
+      </a:lnStyleLst>
+      <a:effectStyleLst>
+        <a:effectStyle>
+          <a:effectLst/>
+        </a:effectStyle>
+        <a:effectStyle>
+          <a:effectLst/>
+        </a:effectStyle>
+        <a:effectStyle>
+          <a:effectLst>
+            <a:outerShdw blurRad="57150" dist="19050" dir="5400000" algn="ctr" rotWithShape="0">
+              <a:srgbClr val="000000">
+                <a:alpha val="63000"/>
+              </a:srgbClr>
+            </a:outerShdw>
+          </a:effectLst>
+        </a:effectStyle>
+      </a:effectStyleLst>
+      <a:bgFillStyleLst>
+        <a:solidFill>
+          <a:schemeClr val="phClr"/>
+        </a:solidFill>
+        <a:solidFill>
+          <a:schemeClr val="phClr">
+            <a:tint val="95000"/>
+            <a:satMod val="170000"/>
+          </a:schemeClr>
+        </a:solidFill>
+        <a:gradFill rotWithShape="1">
+          <a:gsLst>
+            <a:gs pos="0">
+              <a:schemeClr val="phClr">
+                <a:tint val="93000"/>
+                <a:satMod val="150000"/>
+                <a:shade val="98000"/>
+                <a:lumMod val="102000"/>
+              </a:schemeClr>
+            </a:gs>
+            <a:gs pos="50000">
+              <a:schemeClr val="phClr">
+                <a:tint val="98000"/>
+                <a:satMod val="130000"/>
+                <a:shade val="90000"/>
+                <a:lumMod val="103000"/>
+              </a:schemeClr>
+            </a:gs>
+            <a:gs pos="100000">
+              <a:schemeClr val="phClr">
+                <a:shade val="63000"/>
+                <a:satMod val="120000"/>
+              </a:schemeClr>
+            </a:gs>
+          </a:gsLst>
+          <a:lin ang="5400000" scaled="0"/>
+        </a:gradFill>
+      </a:bgFillStyleLst>
+    </a:fmtScheme>
+  </a:themeElements>
+  <a:objectDefaults/>
+  <a:extraClrSchemeLst/>
+  <a:extLst>
+    <a:ext uri="{05A4C25C-085E-4340-85A3-A5531E510DB2}">
+      <thm15:themeFamily xmlns:thm15="http://schemas.microsoft.com/office/thememl/2012/main" name="Office Theme" id="{62F939B6-93AF-4DB8-9C6B-D6C7DFDC589F}" vid="{4A3C46E8-61CC-4603-A589-7422A47A8E4A}"/>
+    </a:ext>
+  </a:extLst>
+</a:theme>
 </file>
--- a/hw01.pptx
+++ b/hw01.pptx
@@ -204,7 +204,7 @@
           <a:p>
             <a:fld id="{F730D4D5-6195-4427-821E-63DD0DBE37D9}" type="datetimeFigureOut">
               <a:rPr lang="zh-TW" altLang="en-US" smtClean="0"/>
-              <a:t>2024/10/23</a:t>
+              <a:t>2024/10/30</a:t>
             </a:fld>
             <a:endParaRPr lang="zh-TW" altLang="en-US"/>
           </a:p>
@@ -1328,7 +1328,7 @@
           <a:p>
             <a:fld id="{C3C90D7E-32D6-4894-AE08-7BBB3E610FC9}" type="datetimeFigureOut">
               <a:rPr lang="zh-TW" altLang="en-US" smtClean="0"/>
-              <a:t>2024/10/23</a:t>
+              <a:t>2024/10/30</a:t>
             </a:fld>
             <a:endParaRPr lang="zh-TW" altLang="en-US"/>
           </a:p>
@@ -1526,7 +1526,7 @@
           <a:p>
             <a:fld id="{C3C90D7E-32D6-4894-AE08-7BBB3E610FC9}" type="datetimeFigureOut">
               <a:rPr lang="zh-TW" altLang="en-US" smtClean="0"/>
-              <a:t>2024/10/23</a:t>
+              <a:t>2024/10/30</a:t>
             </a:fld>
             <a:endParaRPr lang="zh-TW" altLang="en-US"/>
           </a:p>
@@ -1734,7 +1734,7 @@
           <a:p>
             <a:fld id="{C3C90D7E-32D6-4894-AE08-7BBB3E610FC9}" type="datetimeFigureOut">
               <a:rPr lang="zh-TW" altLang="en-US" smtClean="0"/>
-              <a:t>2024/10/23</a:t>
+              <a:t>2024/10/30</a:t>
             </a:fld>
             <a:endParaRPr lang="zh-TW" altLang="en-US"/>
           </a:p>
@@ -1932,7 +1932,7 @@
           <a:p>
             <a:fld id="{C3C90D7E-32D6-4894-AE08-7BBB3E610FC9}" type="datetimeFigureOut">
               <a:rPr lang="zh-TW" altLang="en-US" smtClean="0"/>
-              <a:t>2024/10/23</a:t>
+              <a:t>2024/10/30</a:t>
             </a:fld>
             <a:endParaRPr lang="zh-TW" altLang="en-US"/>
           </a:p>
@@ -2207,7 +2207,7 @@
           <a:p>
             <a:fld id="{C3C90D7E-32D6-4894-AE08-7BBB3E610FC9}" type="datetimeFigureOut">
               <a:rPr lang="zh-TW" altLang="en-US" smtClean="0"/>
-              <a:t>2024/10/23</a:t>
+              <a:t>2024/10/30</a:t>
             </a:fld>
             <a:endParaRPr lang="zh-TW" altLang="en-US"/>
           </a:p>
@@ -2472,7 +2472,7 @@
           <a:p>
             <a:fld id="{C3C90D7E-32D6-4894-AE08-7BBB3E610FC9}" type="datetimeFigureOut">
               <a:rPr lang="zh-TW" altLang="en-US" smtClean="0"/>
-              <a:t>2024/10/23</a:t>
+              <a:t>2024/10/30</a:t>
             </a:fld>
             <a:endParaRPr lang="zh-TW" altLang="en-US"/>
           </a:p>
@@ -2884,7 +2884,7 @@
           <a:p>
             <a:fld id="{C3C90D7E-32D6-4894-AE08-7BBB3E610FC9}" type="datetimeFigureOut">
               <a:rPr lang="zh-TW" altLang="en-US" smtClean="0"/>
-              <a:t>2024/10/23</a:t>
+              <a:t>2024/10/30</a:t>
             </a:fld>
             <a:endParaRPr lang="zh-TW" altLang="en-US"/>
           </a:p>
@@ -3032,7 +3032,7 @@
           <a:p>
             <a:fld id="{C3C90D7E-32D6-4894-AE08-7BBB3E610FC9}" type="datetimeFigureOut">
               <a:rPr lang="zh-TW" altLang="en-US" smtClean="0"/>
-              <a:t>2024/10/23</a:t>
+              <a:t>2024/10/30</a:t>
             </a:fld>
             <a:endParaRPr lang="zh-TW" altLang="en-US"/>
           </a:p>
@@ -3145,7 +3145,7 @@
           <a:p>
             <a:fld id="{C3C90D7E-32D6-4894-AE08-7BBB3E610FC9}" type="datetimeFigureOut">
               <a:rPr lang="zh-TW" altLang="en-US" smtClean="0"/>
-              <a:t>2024/10/23</a:t>
+              <a:t>2024/10/30</a:t>
             </a:fld>
             <a:endParaRPr lang="zh-TW" altLang="en-US"/>
           </a:p>
@@ -3456,7 +3456,7 @@
           <a:p>
             <a:fld id="{C3C90D7E-32D6-4894-AE08-7BBB3E610FC9}" type="datetimeFigureOut">
               <a:rPr lang="zh-TW" altLang="en-US" smtClean="0"/>
-              <a:t>2024/10/23</a:t>
+              <a:t>2024/10/30</a:t>
             </a:fld>
             <a:endParaRPr lang="zh-TW" altLang="en-US"/>
           </a:p>
@@ -3744,7 +3744,7 @@
           <a:p>
             <a:fld id="{C3C90D7E-32D6-4894-AE08-7BBB3E610FC9}" type="datetimeFigureOut">
               <a:rPr lang="zh-TW" altLang="en-US" smtClean="0"/>
-              <a:t>2024/10/23</a:t>
+              <a:t>2024/10/30</a:t>
             </a:fld>
             <a:endParaRPr lang="zh-TW" altLang="en-US"/>
           </a:p>
@@ -3988,7 +3988,7 @@
           <a:p>
             <a:fld id="{C3C90D7E-32D6-4894-AE08-7BBB3E610FC9}" type="datetimeFigureOut">
               <a:rPr lang="zh-TW" altLang="en-US" smtClean="0"/>
-              <a:t>2024/10/23</a:t>
+              <a:t>2024/10/30</a:t>
             </a:fld>
             <a:endParaRPr lang="zh-TW" altLang="en-US"/>
           </a:p>
@@ -5040,14 +5040,14 @@
           <p:nvPr>
             <p:extLst>
               <p:ext uri="{D42A27DB-BD31-4B8C-83A1-F6EECF244321}">
-                <p14:modId xmlns:p14="http://schemas.microsoft.com/office/powerpoint/2010/main" val="693000455"/>
+                <p14:modId xmlns:p14="http://schemas.microsoft.com/office/powerpoint/2010/main" val="1663094148"/>
               </p:ext>
             </p:extLst>
           </p:nvPr>
         </p:nvGraphicFramePr>
         <p:xfrm>
-          <a:off x="1197428" y="313509"/>
-          <a:ext cx="9797143" cy="6230982"/>
+          <a:off x="1416000" y="369001"/>
+          <a:ext cx="9360000" cy="6119998"/>
         </p:xfrm>
         <a:graphic>
           <a:graphicData uri="http://schemas.openxmlformats.org/drawingml/2006/table">
@@ -5056,14 +5056,14 @@
                 <a:tableStyleId>{5C22544A-7EE6-4342-B048-85BDC9FD1C3A}</a:tableStyleId>
               </a:tblPr>
               <a:tblGrid>
-                <a:gridCol w="1333291">
+                <a:gridCol w="1273800">
                   <a:extLst>
                     <a:ext uri="{9D8B030D-6E8A-4147-A177-3AD203B41FA5}">
                       <a16:colId xmlns:a16="http://schemas.microsoft.com/office/drawing/2014/main" val="3741773252"/>
                     </a:ext>
                   </a:extLst>
                 </a:gridCol>
-                <a:gridCol w="8463852">
+                <a:gridCol w="8086200">
                   <a:extLst>
                     <a:ext uri="{9D8B030D-6E8A-4147-A177-3AD203B41FA5}">
                       <a16:colId xmlns:a16="http://schemas.microsoft.com/office/drawing/2014/main" val="4237849003"/>
@@ -5071,14 +5071,14 @@
                   </a:extLst>
                 </a:gridCol>
               </a:tblGrid>
-              <a:tr h="890140">
+              <a:tr h="874285">
                 <a:tc>
                   <a:txBody>
                     <a:bodyPr/>
                     <a:lstStyle/>
                     <a:p>
                       <a:r>
-                        <a:rPr lang="zh-TW" sz="2400" kern="100">
+                        <a:rPr lang="zh-TW" sz="2400" kern="100" dirty="0">
                           <a:solidFill>
                             <a:schemeClr val="tx1"/>
                           </a:solidFill>
@@ -5088,7 +5088,175 @@
                         </a:rPr>
                         <a:t>目標</a:t>
                       </a:r>
-                      <a:endParaRPr lang="zh-TW" sz="2400" kern="100">
+                      <a:endParaRPr lang="zh-TW" sz="2400" kern="100" dirty="0">
+                        <a:solidFill>
+                          <a:schemeClr val="tx1"/>
+                        </a:solidFill>
+                        <a:effectLst/>
+                        <a:latin typeface="華文宋體 Regular" panose="02020502040202010101" pitchFamily="18" charset="-122"/>
+                        <a:ea typeface="華文宋體 Regular" panose="02020502040202010101" pitchFamily="18" charset="-122"/>
+                        <a:cs typeface="Times New Roman" panose="02020603050405020304" pitchFamily="18" charset="0"/>
+                      </a:endParaRPr>
+                    </a:p>
+                  </a:txBody>
+                  <a:tcPr marL="68580" marR="68580" marT="0" marB="0">
+                    <a:lnL w="12700" cap="flat" cmpd="sng" algn="ctr">
+                      <a:solidFill>
+                        <a:schemeClr val="tx1"/>
+                      </a:solidFill>
+                      <a:prstDash val="solid"/>
+                      <a:round/>
+                      <a:headEnd type="none" w="med" len="med"/>
+                      <a:tailEnd type="none" w="med" len="med"/>
+                    </a:lnL>
+                    <a:lnR w="12700" cap="flat" cmpd="sng" algn="ctr">
+                      <a:solidFill>
+                        <a:schemeClr val="tx1"/>
+                      </a:solidFill>
+                      <a:prstDash val="solid"/>
+                      <a:round/>
+                      <a:headEnd type="none" w="med" len="med"/>
+                      <a:tailEnd type="none" w="med" len="med"/>
+                    </a:lnR>
+                    <a:lnT w="12700" cap="flat" cmpd="sng" algn="ctr">
+                      <a:solidFill>
+                        <a:schemeClr val="tx1"/>
+                      </a:solidFill>
+                      <a:prstDash val="solid"/>
+                      <a:round/>
+                      <a:headEnd type="none" w="med" len="med"/>
+                      <a:tailEnd type="none" w="med" len="med"/>
+                    </a:lnT>
+                    <a:lnB w="12700" cap="flat" cmpd="sng" algn="ctr">
+                      <a:solidFill>
+                        <a:schemeClr val="tx1"/>
+                      </a:solidFill>
+                      <a:prstDash val="solid"/>
+                      <a:round/>
+                      <a:headEnd type="none" w="med" len="med"/>
+                      <a:tailEnd type="none" w="med" len="med"/>
+                    </a:lnB>
+                    <a:lnTlToBr w="12700" cmpd="sng">
+                      <a:noFill/>
+                      <a:prstDash val="solid"/>
+                    </a:lnTlToBr>
+                    <a:lnBlToTr w="12700" cmpd="sng">
+                      <a:noFill/>
+                      <a:prstDash val="solid"/>
+                    </a:lnBlToTr>
+                    <a:noFill/>
+                  </a:tcPr>
+                </a:tc>
+                <a:tc>
+                  <a:txBody>
+                    <a:bodyPr/>
+                    <a:lstStyle/>
+                    <a:p>
+                      <a:r>
+                        <a:rPr lang="en-US" sz="2400" b="0" kern="100" dirty="0">
+                          <a:solidFill>
+                            <a:schemeClr val="tx1"/>
+                          </a:solidFill>
+                          <a:effectLst/>
+                          <a:latin typeface="華文宋體 Regular" panose="02020502040202010101" pitchFamily="18" charset="-122"/>
+                          <a:ea typeface="華文宋體 Regular" panose="02020502040202010101" pitchFamily="18" charset="-122"/>
+                        </a:rPr>
+                        <a:t>Vivi</a:t>
+                      </a:r>
+                      <a:r>
+                        <a:rPr lang="zh-TW" sz="2400" b="0" kern="100" dirty="0">
+                          <a:solidFill>
+                            <a:schemeClr val="tx1"/>
+                          </a:solidFill>
+                          <a:effectLst/>
+                          <a:latin typeface="華文宋體 Regular" panose="02020502040202010101" pitchFamily="18" charset="-122"/>
+                          <a:ea typeface="華文宋體 Regular" panose="02020502040202010101" pitchFamily="18" charset="-122"/>
+                        </a:rPr>
+                        <a:t>接到藝術節的邀請，地點在小阿尼斯城。他正考慮要不要接受</a:t>
+                      </a:r>
+                      <a:endParaRPr lang="zh-TW" sz="2400" b="0" kern="100" dirty="0">
+                        <a:solidFill>
+                          <a:schemeClr val="tx1"/>
+                        </a:solidFill>
+                        <a:effectLst/>
+                        <a:latin typeface="華文宋體 Regular" panose="02020502040202010101" pitchFamily="18" charset="-122"/>
+                        <a:ea typeface="華文宋體 Regular" panose="02020502040202010101" pitchFamily="18" charset="-122"/>
+                        <a:cs typeface="Times New Roman" panose="02020603050405020304" pitchFamily="18" charset="0"/>
+                      </a:endParaRPr>
+                    </a:p>
+                  </a:txBody>
+                  <a:tcPr marL="68580" marR="68580" marT="0" marB="0">
+                    <a:lnL w="12700" cap="flat" cmpd="sng" algn="ctr">
+                      <a:solidFill>
+                        <a:schemeClr val="tx1"/>
+                      </a:solidFill>
+                      <a:prstDash val="solid"/>
+                      <a:round/>
+                      <a:headEnd type="none" w="med" len="med"/>
+                      <a:tailEnd type="none" w="med" len="med"/>
+                    </a:lnL>
+                    <a:lnR w="12700" cap="flat" cmpd="sng" algn="ctr">
+                      <a:solidFill>
+                        <a:schemeClr val="tx1"/>
+                      </a:solidFill>
+                      <a:prstDash val="solid"/>
+                      <a:round/>
+                      <a:headEnd type="none" w="med" len="med"/>
+                      <a:tailEnd type="none" w="med" len="med"/>
+                    </a:lnR>
+                    <a:lnT w="12700" cap="flat" cmpd="sng" algn="ctr">
+                      <a:solidFill>
+                        <a:schemeClr val="tx1"/>
+                      </a:solidFill>
+                      <a:prstDash val="solid"/>
+                      <a:round/>
+                      <a:headEnd type="none" w="med" len="med"/>
+                      <a:tailEnd type="none" w="med" len="med"/>
+                    </a:lnT>
+                    <a:lnB w="12700" cap="flat" cmpd="sng" algn="ctr">
+                      <a:solidFill>
+                        <a:schemeClr val="tx1"/>
+                      </a:solidFill>
+                      <a:prstDash val="solid"/>
+                      <a:round/>
+                      <a:headEnd type="none" w="med" len="med"/>
+                      <a:tailEnd type="none" w="med" len="med"/>
+                    </a:lnB>
+                    <a:lnTlToBr w="12700" cmpd="sng">
+                      <a:noFill/>
+                      <a:prstDash val="solid"/>
+                    </a:lnTlToBr>
+                    <a:lnBlToTr w="12700" cmpd="sng">
+                      <a:noFill/>
+                      <a:prstDash val="solid"/>
+                    </a:lnBlToTr>
+                    <a:noFill/>
+                  </a:tcPr>
+                </a:tc>
+                <a:extLst>
+                  <a:ext uri="{0D108BD9-81ED-4DB2-BD59-A6C34878D82A}">
+                    <a16:rowId xmlns:a16="http://schemas.microsoft.com/office/drawing/2014/main" val="2688799353"/>
+                  </a:ext>
+                </a:extLst>
+              </a:tr>
+              <a:tr h="874285">
+                <a:tc>
+                  <a:txBody>
+                    <a:bodyPr/>
+                    <a:lstStyle/>
+                    <a:p>
+                      <a:r>
+                        <a:rPr lang="zh-TW" sz="2400" kern="100" dirty="0">
+                          <a:solidFill>
+                            <a:schemeClr val="tx1"/>
+                          </a:solidFill>
+                          <a:effectLst/>
+                          <a:latin typeface="華文宋體 Regular" panose="02020502040202010101" pitchFamily="18" charset="-122"/>
+                          <a:ea typeface="華文宋體 Regular" panose="02020502040202010101" pitchFamily="18" charset="-122"/>
+                        </a:rPr>
+                        <a:t>阻礙</a:t>
+                      </a:r>
+                      <a:endParaRPr lang="zh-TW" sz="2400" kern="100" dirty="0">
                         <a:solidFill>
                           <a:schemeClr val="tx1"/>
                         </a:solidFill>
@@ -5172,7 +5340,7 @@
                           <a:latin typeface="華文宋體 Regular" panose="02020502040202010101" pitchFamily="18" charset="-122"/>
                           <a:ea typeface="華文宋體 Regular" panose="02020502040202010101" pitchFamily="18" charset="-122"/>
                         </a:rPr>
-                        <a:t>接到藝術節的邀請，地點在小阿尼斯城。他正考慮要不要接受</a:t>
+                        <a:t>沒去過小阿尼斯城，只知道這是座新的城市；他也不知道該表演什麼</a:t>
                       </a:r>
                       <a:endParaRPr lang="zh-TW" sz="2400" kern="100" dirty="0">
                         <a:solidFill>
@@ -5235,179 +5403,11 @@
                 </a:tc>
                 <a:extLst>
                   <a:ext uri="{0D108BD9-81ED-4DB2-BD59-A6C34878D82A}">
-                    <a16:rowId xmlns:a16="http://schemas.microsoft.com/office/drawing/2014/main" val="2688799353"/>
-                  </a:ext>
-                </a:extLst>
-              </a:tr>
-              <a:tr h="890140">
-                <a:tc>
-                  <a:txBody>
-                    <a:bodyPr/>
-                    <a:lstStyle/>
-                    <a:p>
-                      <a:r>
-                        <a:rPr lang="zh-TW" sz="2400" kern="100">
-                          <a:solidFill>
-                            <a:schemeClr val="tx1"/>
-                          </a:solidFill>
-                          <a:effectLst/>
-                          <a:latin typeface="華文宋體 Regular" panose="02020502040202010101" pitchFamily="18" charset="-122"/>
-                          <a:ea typeface="華文宋體 Regular" panose="02020502040202010101" pitchFamily="18" charset="-122"/>
-                        </a:rPr>
-                        <a:t>阻礙</a:t>
-                      </a:r>
-                      <a:endParaRPr lang="zh-TW" sz="2400" kern="100">
-                        <a:solidFill>
-                          <a:schemeClr val="tx1"/>
-                        </a:solidFill>
-                        <a:effectLst/>
-                        <a:latin typeface="華文宋體 Regular" panose="02020502040202010101" pitchFamily="18" charset="-122"/>
-                        <a:ea typeface="華文宋體 Regular" panose="02020502040202010101" pitchFamily="18" charset="-122"/>
-                        <a:cs typeface="Times New Roman" panose="02020603050405020304" pitchFamily="18" charset="0"/>
-                      </a:endParaRPr>
-                    </a:p>
-                  </a:txBody>
-                  <a:tcPr marL="68580" marR="68580" marT="0" marB="0">
-                    <a:lnL w="12700" cap="flat" cmpd="sng" algn="ctr">
-                      <a:solidFill>
-                        <a:schemeClr val="tx1"/>
-                      </a:solidFill>
-                      <a:prstDash val="solid"/>
-                      <a:round/>
-                      <a:headEnd type="none" w="med" len="med"/>
-                      <a:tailEnd type="none" w="med" len="med"/>
-                    </a:lnL>
-                    <a:lnR w="12700" cap="flat" cmpd="sng" algn="ctr">
-                      <a:solidFill>
-                        <a:schemeClr val="tx1"/>
-                      </a:solidFill>
-                      <a:prstDash val="solid"/>
-                      <a:round/>
-                      <a:headEnd type="none" w="med" len="med"/>
-                      <a:tailEnd type="none" w="med" len="med"/>
-                    </a:lnR>
-                    <a:lnT w="12700" cap="flat" cmpd="sng" algn="ctr">
-                      <a:solidFill>
-                        <a:schemeClr val="tx1"/>
-                      </a:solidFill>
-                      <a:prstDash val="solid"/>
-                      <a:round/>
-                      <a:headEnd type="none" w="med" len="med"/>
-                      <a:tailEnd type="none" w="med" len="med"/>
-                    </a:lnT>
-                    <a:lnB w="12700" cap="flat" cmpd="sng" algn="ctr">
-                      <a:solidFill>
-                        <a:schemeClr val="tx1"/>
-                      </a:solidFill>
-                      <a:prstDash val="solid"/>
-                      <a:round/>
-                      <a:headEnd type="none" w="med" len="med"/>
-                      <a:tailEnd type="none" w="med" len="med"/>
-                    </a:lnB>
-                    <a:lnTlToBr w="12700" cmpd="sng">
-                      <a:noFill/>
-                      <a:prstDash val="solid"/>
-                    </a:lnTlToBr>
-                    <a:lnBlToTr w="12700" cmpd="sng">
-                      <a:noFill/>
-                      <a:prstDash val="solid"/>
-                    </a:lnBlToTr>
-                    <a:noFill/>
-                  </a:tcPr>
-                </a:tc>
-                <a:tc>
-                  <a:txBody>
-                    <a:bodyPr/>
-                    <a:lstStyle/>
-                    <a:p>
-                      <a:r>
-                        <a:rPr lang="en-US" sz="2400" kern="100">
-                          <a:solidFill>
-                            <a:schemeClr val="tx1"/>
-                          </a:solidFill>
-                          <a:effectLst/>
-                          <a:latin typeface="華文宋體 Regular" panose="02020502040202010101" pitchFamily="18" charset="-122"/>
-                          <a:ea typeface="華文宋體 Regular" panose="02020502040202010101" pitchFamily="18" charset="-122"/>
-                        </a:rPr>
-                        <a:t>Vivi</a:t>
-                      </a:r>
-                      <a:r>
-                        <a:rPr lang="zh-TW" sz="2400" kern="100">
-                          <a:solidFill>
-                            <a:schemeClr val="tx1"/>
-                          </a:solidFill>
-                          <a:effectLst/>
-                          <a:latin typeface="華文宋體 Regular" panose="02020502040202010101" pitchFamily="18" charset="-122"/>
-                          <a:ea typeface="華文宋體 Regular" panose="02020502040202010101" pitchFamily="18" charset="-122"/>
-                        </a:rPr>
-                        <a:t>沒去過小阿尼斯城，只知道這是座新的城市；他也不知道該表演什麼</a:t>
-                      </a:r>
-                      <a:endParaRPr lang="zh-TW" sz="2400" kern="100">
-                        <a:solidFill>
-                          <a:schemeClr val="tx1"/>
-                        </a:solidFill>
-                        <a:effectLst/>
-                        <a:latin typeface="華文宋體 Regular" panose="02020502040202010101" pitchFamily="18" charset="-122"/>
-                        <a:ea typeface="華文宋體 Regular" panose="02020502040202010101" pitchFamily="18" charset="-122"/>
-                        <a:cs typeface="Times New Roman" panose="02020603050405020304" pitchFamily="18" charset="0"/>
-                      </a:endParaRPr>
-                    </a:p>
-                  </a:txBody>
-                  <a:tcPr marL="68580" marR="68580" marT="0" marB="0">
-                    <a:lnL w="12700" cap="flat" cmpd="sng" algn="ctr">
-                      <a:solidFill>
-                        <a:schemeClr val="tx1"/>
-                      </a:solidFill>
-                      <a:prstDash val="solid"/>
-                      <a:round/>
-                      <a:headEnd type="none" w="med" len="med"/>
-                      <a:tailEnd type="none" w="med" len="med"/>
-                    </a:lnL>
-                    <a:lnR w="12700" cap="flat" cmpd="sng" algn="ctr">
-                      <a:solidFill>
-                        <a:schemeClr val="tx1"/>
-                      </a:solidFill>
-                      <a:prstDash val="solid"/>
-                      <a:round/>
-                      <a:headEnd type="none" w="med" len="med"/>
-                      <a:tailEnd type="none" w="med" len="med"/>
-                    </a:lnR>
-                    <a:lnT w="12700" cap="flat" cmpd="sng" algn="ctr">
-                      <a:solidFill>
-                        <a:schemeClr val="tx1"/>
-                      </a:solidFill>
-                      <a:prstDash val="solid"/>
-                      <a:round/>
-                      <a:headEnd type="none" w="med" len="med"/>
-                      <a:tailEnd type="none" w="med" len="med"/>
-                    </a:lnT>
-                    <a:lnB w="12700" cap="flat" cmpd="sng" algn="ctr">
-                      <a:solidFill>
-                        <a:schemeClr val="tx1"/>
-                      </a:solidFill>
-                      <a:prstDash val="solid"/>
-                      <a:round/>
-                      <a:headEnd type="none" w="med" len="med"/>
-                      <a:tailEnd type="none" w="med" len="med"/>
-                    </a:lnB>
-                    <a:lnTlToBr w="12700" cmpd="sng">
-                      <a:noFill/>
-                      <a:prstDash val="solid"/>
-                    </a:lnTlToBr>
-                    <a:lnBlToTr w="12700" cmpd="sng">
-                      <a:noFill/>
-                      <a:prstDash val="solid"/>
-                    </a:lnBlToTr>
-                    <a:noFill/>
-                  </a:tcPr>
-                </a:tc>
-                <a:extLst>
-                  <a:ext uri="{0D108BD9-81ED-4DB2-BD59-A6C34878D82A}">
                     <a16:rowId xmlns:a16="http://schemas.microsoft.com/office/drawing/2014/main" val="1527739682"/>
                   </a:ext>
                 </a:extLst>
               </a:tr>
-              <a:tr h="890140">
+              <a:tr h="874285">
                 <a:tc>
                   <a:txBody>
                     <a:bodyPr/>
@@ -5575,7 +5575,7 @@
                   </a:ext>
                 </a:extLst>
               </a:tr>
-              <a:tr h="890140">
+              <a:tr h="874285">
                 <a:tc>
                   <a:txBody>
                     <a:bodyPr/>
@@ -5743,7 +5743,7 @@
                   </a:ext>
                 </a:extLst>
               </a:tr>
-              <a:tr h="445071">
+              <a:tr h="437144">
                 <a:tc>
                   <a:txBody>
                     <a:bodyPr/>
@@ -5911,7 +5911,7 @@
                   </a:ext>
                 </a:extLst>
               </a:tr>
-              <a:tr h="1335211">
+              <a:tr h="1311429">
                 <a:tc>
                   <a:txBody>
                     <a:bodyPr/>
@@ -6068,7 +6068,7 @@
                   </a:ext>
                 </a:extLst>
               </a:tr>
-              <a:tr h="890140">
+              <a:tr h="874285">
                 <a:tc>
                   <a:txBody>
                     <a:bodyPr/>

--- a/hw01.pptx
+++ b/hw01.pptx
@@ -204,7 +204,7 @@
           <a:p>
             <a:fld id="{F730D4D5-6195-4427-821E-63DD0DBE37D9}" type="datetimeFigureOut">
               <a:rPr lang="zh-TW" altLang="en-US" smtClean="0"/>
-              <a:t>2024/10/30</a:t>
+              <a:t>2024/10/31</a:t>
             </a:fld>
             <a:endParaRPr lang="zh-TW" altLang="en-US"/>
           </a:p>
@@ -1328,7 +1328,7 @@
           <a:p>
             <a:fld id="{C3C90D7E-32D6-4894-AE08-7BBB3E610FC9}" type="datetimeFigureOut">
               <a:rPr lang="zh-TW" altLang="en-US" smtClean="0"/>
-              <a:t>2024/10/30</a:t>
+              <a:t>2024/10/31</a:t>
             </a:fld>
             <a:endParaRPr lang="zh-TW" altLang="en-US"/>
           </a:p>
@@ -1526,7 +1526,7 @@
           <a:p>
             <a:fld id="{C3C90D7E-32D6-4894-AE08-7BBB3E610FC9}" type="datetimeFigureOut">
               <a:rPr lang="zh-TW" altLang="en-US" smtClean="0"/>
-              <a:t>2024/10/30</a:t>
+              <a:t>2024/10/31</a:t>
             </a:fld>
             <a:endParaRPr lang="zh-TW" altLang="en-US"/>
           </a:p>
@@ -1734,7 +1734,7 @@
           <a:p>
             <a:fld id="{C3C90D7E-32D6-4894-AE08-7BBB3E610FC9}" type="datetimeFigureOut">
               <a:rPr lang="zh-TW" altLang="en-US" smtClean="0"/>
-              <a:t>2024/10/30</a:t>
+              <a:t>2024/10/31</a:t>
             </a:fld>
             <a:endParaRPr lang="zh-TW" altLang="en-US"/>
           </a:p>
@@ -1932,7 +1932,7 @@
           <a:p>
             <a:fld id="{C3C90D7E-32D6-4894-AE08-7BBB3E610FC9}" type="datetimeFigureOut">
               <a:rPr lang="zh-TW" altLang="en-US" smtClean="0"/>
-              <a:t>2024/10/30</a:t>
+              <a:t>2024/10/31</a:t>
             </a:fld>
             <a:endParaRPr lang="zh-TW" altLang="en-US"/>
           </a:p>
@@ -2207,7 +2207,7 @@
           <a:p>
             <a:fld id="{C3C90D7E-32D6-4894-AE08-7BBB3E610FC9}" type="datetimeFigureOut">
               <a:rPr lang="zh-TW" altLang="en-US" smtClean="0"/>
-              <a:t>2024/10/30</a:t>
+              <a:t>2024/10/31</a:t>
             </a:fld>
             <a:endParaRPr lang="zh-TW" altLang="en-US"/>
           </a:p>
@@ -2472,7 +2472,7 @@
           <a:p>
             <a:fld id="{C3C90D7E-32D6-4894-AE08-7BBB3E610FC9}" type="datetimeFigureOut">
               <a:rPr lang="zh-TW" altLang="en-US" smtClean="0"/>
-              <a:t>2024/10/30</a:t>
+              <a:t>2024/10/31</a:t>
             </a:fld>
             <a:endParaRPr lang="zh-TW" altLang="en-US"/>
           </a:p>
@@ -2884,7 +2884,7 @@
           <a:p>
             <a:fld id="{C3C90D7E-32D6-4894-AE08-7BBB3E610FC9}" type="datetimeFigureOut">
               <a:rPr lang="zh-TW" altLang="en-US" smtClean="0"/>
-              <a:t>2024/10/30</a:t>
+              <a:t>2024/10/31</a:t>
             </a:fld>
             <a:endParaRPr lang="zh-TW" altLang="en-US"/>
           </a:p>
@@ -3032,7 +3032,7 @@
           <a:p>
             <a:fld id="{C3C90D7E-32D6-4894-AE08-7BBB3E610FC9}" type="datetimeFigureOut">
               <a:rPr lang="zh-TW" altLang="en-US" smtClean="0"/>
-              <a:t>2024/10/30</a:t>
+              <a:t>2024/10/31</a:t>
             </a:fld>
             <a:endParaRPr lang="zh-TW" altLang="en-US"/>
           </a:p>
@@ -3145,7 +3145,7 @@
           <a:p>
             <a:fld id="{C3C90D7E-32D6-4894-AE08-7BBB3E610FC9}" type="datetimeFigureOut">
               <a:rPr lang="zh-TW" altLang="en-US" smtClean="0"/>
-              <a:t>2024/10/30</a:t>
+              <a:t>2024/10/31</a:t>
             </a:fld>
             <a:endParaRPr lang="zh-TW" altLang="en-US"/>
           </a:p>
@@ -3456,7 +3456,7 @@
           <a:p>
             <a:fld id="{C3C90D7E-32D6-4894-AE08-7BBB3E610FC9}" type="datetimeFigureOut">
               <a:rPr lang="zh-TW" altLang="en-US" smtClean="0"/>
-              <a:t>2024/10/30</a:t>
+              <a:t>2024/10/31</a:t>
             </a:fld>
             <a:endParaRPr lang="zh-TW" altLang="en-US"/>
           </a:p>
@@ -3744,7 +3744,7 @@
           <a:p>
             <a:fld id="{C3C90D7E-32D6-4894-AE08-7BBB3E610FC9}" type="datetimeFigureOut">
               <a:rPr lang="zh-TW" altLang="en-US" smtClean="0"/>
-              <a:t>2024/10/30</a:t>
+              <a:t>2024/10/31</a:t>
             </a:fld>
             <a:endParaRPr lang="zh-TW" altLang="en-US"/>
           </a:p>
@@ -3988,7 +3988,7 @@
           <a:p>
             <a:fld id="{C3C90D7E-32D6-4894-AE08-7BBB3E610FC9}" type="datetimeFigureOut">
               <a:rPr lang="zh-TW" altLang="en-US" smtClean="0"/>
-              <a:t>2024/10/30</a:t>
+              <a:t>2024/10/31</a:t>
             </a:fld>
             <a:endParaRPr lang="zh-TW" altLang="en-US"/>
           </a:p>

--- a/hw01.pptx
+++ b/hw01.pptx
@@ -204,7 +204,7 @@
           <a:p>
             <a:fld id="{F730D4D5-6195-4427-821E-63DD0DBE37D9}" type="datetimeFigureOut">
               <a:rPr lang="zh-TW" altLang="en-US" smtClean="0"/>
-              <a:t>2024/10/31</a:t>
+              <a:t>2024/11/1</a:t>
             </a:fld>
             <a:endParaRPr lang="zh-TW" altLang="en-US"/>
           </a:p>
@@ -1328,7 +1328,7 @@
           <a:p>
             <a:fld id="{C3C90D7E-32D6-4894-AE08-7BBB3E610FC9}" type="datetimeFigureOut">
               <a:rPr lang="zh-TW" altLang="en-US" smtClean="0"/>
-              <a:t>2024/10/31</a:t>
+              <a:t>2024/11/1</a:t>
             </a:fld>
             <a:endParaRPr lang="zh-TW" altLang="en-US"/>
           </a:p>
@@ -1526,7 +1526,7 @@
           <a:p>
             <a:fld id="{C3C90D7E-32D6-4894-AE08-7BBB3E610FC9}" type="datetimeFigureOut">
               <a:rPr lang="zh-TW" altLang="en-US" smtClean="0"/>
-              <a:t>2024/10/31</a:t>
+              <a:t>2024/11/1</a:t>
             </a:fld>
             <a:endParaRPr lang="zh-TW" altLang="en-US"/>
           </a:p>
@@ -1734,7 +1734,7 @@
           <a:p>
             <a:fld id="{C3C90D7E-32D6-4894-AE08-7BBB3E610FC9}" type="datetimeFigureOut">
               <a:rPr lang="zh-TW" altLang="en-US" smtClean="0"/>
-              <a:t>2024/10/31</a:t>
+              <a:t>2024/11/1</a:t>
             </a:fld>
             <a:endParaRPr lang="zh-TW" altLang="en-US"/>
           </a:p>
@@ -1932,7 +1932,7 @@
           <a:p>
             <a:fld id="{C3C90D7E-32D6-4894-AE08-7BBB3E610FC9}" type="datetimeFigureOut">
               <a:rPr lang="zh-TW" altLang="en-US" smtClean="0"/>
-              <a:t>2024/10/31</a:t>
+              <a:t>2024/11/1</a:t>
             </a:fld>
             <a:endParaRPr lang="zh-TW" altLang="en-US"/>
           </a:p>
@@ -2207,7 +2207,7 @@
           <a:p>
             <a:fld id="{C3C90D7E-32D6-4894-AE08-7BBB3E610FC9}" type="datetimeFigureOut">
               <a:rPr lang="zh-TW" altLang="en-US" smtClean="0"/>
-              <a:t>2024/10/31</a:t>
+              <a:t>2024/11/1</a:t>
             </a:fld>
             <a:endParaRPr lang="zh-TW" altLang="en-US"/>
           </a:p>
@@ -2472,7 +2472,7 @@
           <a:p>
             <a:fld id="{C3C90D7E-32D6-4894-AE08-7BBB3E610FC9}" type="datetimeFigureOut">
               <a:rPr lang="zh-TW" altLang="en-US" smtClean="0"/>
-              <a:t>2024/10/31</a:t>
+              <a:t>2024/11/1</a:t>
             </a:fld>
             <a:endParaRPr lang="zh-TW" altLang="en-US"/>
           </a:p>
@@ -2884,7 +2884,7 @@
           <a:p>
             <a:fld id="{C3C90D7E-32D6-4894-AE08-7BBB3E610FC9}" type="datetimeFigureOut">
               <a:rPr lang="zh-TW" altLang="en-US" smtClean="0"/>
-              <a:t>2024/10/31</a:t>
+              <a:t>2024/11/1</a:t>
             </a:fld>
             <a:endParaRPr lang="zh-TW" altLang="en-US"/>
           </a:p>
@@ -3032,7 +3032,7 @@
           <a:p>
             <a:fld id="{C3C90D7E-32D6-4894-AE08-7BBB3E610FC9}" type="datetimeFigureOut">
               <a:rPr lang="zh-TW" altLang="en-US" smtClean="0"/>
-              <a:t>2024/10/31</a:t>
+              <a:t>2024/11/1</a:t>
             </a:fld>
             <a:endParaRPr lang="zh-TW" altLang="en-US"/>
           </a:p>
@@ -3145,7 +3145,7 @@
           <a:p>
             <a:fld id="{C3C90D7E-32D6-4894-AE08-7BBB3E610FC9}" type="datetimeFigureOut">
               <a:rPr lang="zh-TW" altLang="en-US" smtClean="0"/>
-              <a:t>2024/10/31</a:t>
+              <a:t>2024/11/1</a:t>
             </a:fld>
             <a:endParaRPr lang="zh-TW" altLang="en-US"/>
           </a:p>
@@ -3456,7 +3456,7 @@
           <a:p>
             <a:fld id="{C3C90D7E-32D6-4894-AE08-7BBB3E610FC9}" type="datetimeFigureOut">
               <a:rPr lang="zh-TW" altLang="en-US" smtClean="0"/>
-              <a:t>2024/10/31</a:t>
+              <a:t>2024/11/1</a:t>
             </a:fld>
             <a:endParaRPr lang="zh-TW" altLang="en-US"/>
           </a:p>
@@ -3744,7 +3744,7 @@
           <a:p>
             <a:fld id="{C3C90D7E-32D6-4894-AE08-7BBB3E610FC9}" type="datetimeFigureOut">
               <a:rPr lang="zh-TW" altLang="en-US" smtClean="0"/>
-              <a:t>2024/10/31</a:t>
+              <a:t>2024/11/1</a:t>
             </a:fld>
             <a:endParaRPr lang="zh-TW" altLang="en-US"/>
           </a:p>
@@ -3988,7 +3988,7 @@
           <a:p>
             <a:fld id="{C3C90D7E-32D6-4894-AE08-7BBB3E610FC9}" type="datetimeFigureOut">
               <a:rPr lang="zh-TW" altLang="en-US" smtClean="0"/>
-              <a:t>2024/10/31</a:t>
+              <a:t>2024/11/1</a:t>
             </a:fld>
             <a:endParaRPr lang="zh-TW" altLang="en-US"/>
           </a:p>
@@ -4959,9 +4959,10 @@
           <a:lstStyle/>
           <a:p>
             <a:r>
-              <a:rPr lang="zh-TW" altLang="en-US" dirty="0"/>
-              <a:t>結果</a:t>
-            </a:r>
+              <a:rPr lang="zh-TW" altLang="en-US"/>
+              <a:t>結局</a:t>
+            </a:r>
+            <a:endParaRPr lang="zh-TW" altLang="en-US" dirty="0"/>
           </a:p>
         </p:txBody>
       </p:sp>
